--- a/Презентация Microsoft PowerPoint.pptx
+++ b/Презентация Microsoft PowerPoint.pptx
@@ -7,12 +7,15 @@
   <p:sldIdLst>
     <p:sldId id="262" r:id="rId2"/>
     <p:sldId id="256" r:id="rId3"/>
-    <p:sldId id="257" r:id="rId4"/>
-    <p:sldId id="258" r:id="rId5"/>
-    <p:sldId id="259" r:id="rId6"/>
-    <p:sldId id="260" r:id="rId7"/>
+    <p:sldId id="264" r:id="rId4"/>
+    <p:sldId id="265" r:id="rId5"/>
+    <p:sldId id="266" r:id="rId6"/>
+    <p:sldId id="259" r:id="rId7"/>
     <p:sldId id="261" r:id="rId8"/>
-    <p:sldId id="263" r:id="rId9"/>
+    <p:sldId id="260" r:id="rId9"/>
+    <p:sldId id="257" r:id="rId10"/>
+    <p:sldId id="258" r:id="rId11"/>
+    <p:sldId id="263" r:id="rId12"/>
   </p:sldIdLst>
   <p:sldSz cx="12192000" cy="6858000"/>
   <p:notesSz cx="6858000" cy="9144000"/>
@@ -250,7 +253,7 @@
           <a:p>
             <a:fld id="{CA20831A-2A18-4DE2-A229-812AF7EE95C4}" type="datetimeFigureOut">
               <a:rPr lang="ru-RU" smtClean="0"/>
-              <a:t>27.11.2020</a:t>
+              <a:t>28.11.2020</a:t>
             </a:fld>
             <a:endParaRPr lang="ru-RU"/>
           </a:p>
@@ -420,7 +423,7 @@
           <a:p>
             <a:fld id="{CA20831A-2A18-4DE2-A229-812AF7EE95C4}" type="datetimeFigureOut">
               <a:rPr lang="ru-RU" smtClean="0"/>
-              <a:t>27.11.2020</a:t>
+              <a:t>28.11.2020</a:t>
             </a:fld>
             <a:endParaRPr lang="ru-RU"/>
           </a:p>
@@ -600,7 +603,7 @@
           <a:p>
             <a:fld id="{CA20831A-2A18-4DE2-A229-812AF7EE95C4}" type="datetimeFigureOut">
               <a:rPr lang="ru-RU" smtClean="0"/>
-              <a:t>27.11.2020</a:t>
+              <a:t>28.11.2020</a:t>
             </a:fld>
             <a:endParaRPr lang="ru-RU"/>
           </a:p>
@@ -770,7 +773,7 @@
           <a:p>
             <a:fld id="{CA20831A-2A18-4DE2-A229-812AF7EE95C4}" type="datetimeFigureOut">
               <a:rPr lang="ru-RU" smtClean="0"/>
-              <a:t>27.11.2020</a:t>
+              <a:t>28.11.2020</a:t>
             </a:fld>
             <a:endParaRPr lang="ru-RU"/>
           </a:p>
@@ -1016,7 +1019,7 @@
           <a:p>
             <a:fld id="{CA20831A-2A18-4DE2-A229-812AF7EE95C4}" type="datetimeFigureOut">
               <a:rPr lang="ru-RU" smtClean="0"/>
-              <a:t>27.11.2020</a:t>
+              <a:t>28.11.2020</a:t>
             </a:fld>
             <a:endParaRPr lang="ru-RU"/>
           </a:p>
@@ -1248,7 +1251,7 @@
           <a:p>
             <a:fld id="{CA20831A-2A18-4DE2-A229-812AF7EE95C4}" type="datetimeFigureOut">
               <a:rPr lang="ru-RU" smtClean="0"/>
-              <a:t>27.11.2020</a:t>
+              <a:t>28.11.2020</a:t>
             </a:fld>
             <a:endParaRPr lang="ru-RU"/>
           </a:p>
@@ -1615,7 +1618,7 @@
           <a:p>
             <a:fld id="{CA20831A-2A18-4DE2-A229-812AF7EE95C4}" type="datetimeFigureOut">
               <a:rPr lang="ru-RU" smtClean="0"/>
-              <a:t>27.11.2020</a:t>
+              <a:t>28.11.2020</a:t>
             </a:fld>
             <a:endParaRPr lang="ru-RU"/>
           </a:p>
@@ -1733,7 +1736,7 @@
           <a:p>
             <a:fld id="{CA20831A-2A18-4DE2-A229-812AF7EE95C4}" type="datetimeFigureOut">
               <a:rPr lang="ru-RU" smtClean="0"/>
-              <a:t>27.11.2020</a:t>
+              <a:t>28.11.2020</a:t>
             </a:fld>
             <a:endParaRPr lang="ru-RU"/>
           </a:p>
@@ -1828,7 +1831,7 @@
           <a:p>
             <a:fld id="{CA20831A-2A18-4DE2-A229-812AF7EE95C4}" type="datetimeFigureOut">
               <a:rPr lang="ru-RU" smtClean="0"/>
-              <a:t>27.11.2020</a:t>
+              <a:t>28.11.2020</a:t>
             </a:fld>
             <a:endParaRPr lang="ru-RU"/>
           </a:p>
@@ -2105,7 +2108,7 @@
           <a:p>
             <a:fld id="{CA20831A-2A18-4DE2-A229-812AF7EE95C4}" type="datetimeFigureOut">
               <a:rPr lang="ru-RU" smtClean="0"/>
-              <a:t>27.11.2020</a:t>
+              <a:t>28.11.2020</a:t>
             </a:fld>
             <a:endParaRPr lang="ru-RU"/>
           </a:p>
@@ -2358,7 +2361,7 @@
           <a:p>
             <a:fld id="{CA20831A-2A18-4DE2-A229-812AF7EE95C4}" type="datetimeFigureOut">
               <a:rPr lang="ru-RU" smtClean="0"/>
-              <a:t>27.11.2020</a:t>
+              <a:t>28.11.2020</a:t>
             </a:fld>
             <a:endParaRPr lang="ru-RU"/>
           </a:p>
@@ -2571,7 +2574,7 @@
           <a:p>
             <a:fld id="{CA20831A-2A18-4DE2-A229-812AF7EE95C4}" type="datetimeFigureOut">
               <a:rPr lang="ru-RU" smtClean="0"/>
-              <a:t>27.11.2020</a:t>
+              <a:t>28.11.2020</a:t>
             </a:fld>
             <a:endParaRPr lang="ru-RU"/>
           </a:p>
@@ -3204,6 +3207,485 @@
 </p:sld>
 </file>
 
+<file path=ppt/slides/slide10.xml><?xml version="1.0" encoding="utf-8"?>
+<p:sld xmlns:a="http://schemas.openxmlformats.org/drawingml/2006/main" xmlns:r="http://schemas.openxmlformats.org/officeDocument/2006/relationships" xmlns:p="http://schemas.openxmlformats.org/presentationml/2006/main">
+  <p:cSld>
+    <p:bg>
+      <p:bgPr>
+        <a:solidFill>
+          <a:srgbClr val="5B9BD5"/>
+        </a:solidFill>
+        <a:effectLst/>
+      </p:bgPr>
+    </p:bg>
+    <p:spTree>
+      <p:nvGrpSpPr>
+        <p:cNvPr id="1" name=""/>
+        <p:cNvGrpSpPr/>
+        <p:nvPr/>
+      </p:nvGrpSpPr>
+      <p:grpSpPr>
+        <a:xfrm>
+          <a:off x="0" y="0"/>
+          <a:ext cx="0" cy="0"/>
+          <a:chOff x="0" y="0"/>
+          <a:chExt cx="0" cy="0"/>
+        </a:xfrm>
+      </p:grpSpPr>
+      <p:pic>
+        <p:nvPicPr>
+          <p:cNvPr id="4" name="Рисунок 3"/>
+          <p:cNvPicPr>
+            <a:picLocks noChangeAspect="1"/>
+          </p:cNvPicPr>
+          <p:nvPr/>
+        </p:nvPicPr>
+        <p:blipFill>
+          <a:blip r:embed="rId2"/>
+          <a:stretch>
+            <a:fillRect/>
+          </a:stretch>
+        </p:blipFill>
+        <p:spPr>
+          <a:xfrm>
+            <a:off x="6510866" y="1207029"/>
+            <a:ext cx="4787948" cy="4304317"/>
+          </a:xfrm>
+          <a:prstGeom prst="rect">
+            <a:avLst/>
+          </a:prstGeom>
+        </p:spPr>
+      </p:pic>
+      <p:sp>
+        <p:nvSpPr>
+          <p:cNvPr id="5" name="Прямоугольник 4"/>
+          <p:cNvSpPr/>
+          <p:nvPr/>
+        </p:nvSpPr>
+        <p:spPr>
+          <a:xfrm>
+            <a:off x="1015243" y="1651027"/>
+            <a:ext cx="4756430" cy="3416320"/>
+          </a:xfrm>
+          <a:prstGeom prst="rect">
+            <a:avLst/>
+          </a:prstGeom>
+          <a:noFill/>
+        </p:spPr>
+        <p:txBody>
+          <a:bodyPr wrap="none" lIns="91440" tIns="45720" rIns="91440" bIns="45720">
+            <a:spAutoFit/>
+          </a:bodyPr>
+          <a:lstStyle/>
+          <a:p>
+            <a:pPr algn="ctr"/>
+            <a:r>
+              <a:rPr lang="ru-RU" sz="5400" dirty="0" smtClean="0">
+                <a:ln w="0"/>
+                <a:solidFill>
+                  <a:sysClr val="windowText" lastClr="000000"/>
+                </a:solidFill>
+                <a:effectLst>
+                  <a:outerShdw blurRad="38100" dist="19050" dir="2700000" algn="tl" rotWithShape="0">
+                    <a:schemeClr val="dk1">
+                      <a:alpha val="40000"/>
+                    </a:schemeClr>
+                  </a:outerShdw>
+                </a:effectLst>
+              </a:rPr>
+              <a:t>Правильный </a:t>
+            </a:r>
+          </a:p>
+          <a:p>
+            <a:pPr algn="ctr"/>
+            <a:r>
+              <a:rPr lang="ru-RU" sz="5400" dirty="0" smtClean="0">
+                <a:ln w="0"/>
+                <a:solidFill>
+                  <a:sysClr val="windowText" lastClr="000000"/>
+                </a:solidFill>
+                <a:effectLst>
+                  <a:outerShdw blurRad="38100" dist="19050" dir="2700000" algn="tl" rotWithShape="0">
+                    <a:schemeClr val="dk1">
+                      <a:alpha val="40000"/>
+                    </a:schemeClr>
+                  </a:outerShdw>
+                </a:effectLst>
+              </a:rPr>
+              <a:t>инструмент </a:t>
+            </a:r>
+          </a:p>
+          <a:p>
+            <a:pPr algn="ctr"/>
+            <a:r>
+              <a:rPr lang="ru-RU" sz="5400" dirty="0" smtClean="0">
+                <a:ln w="0"/>
+                <a:solidFill>
+                  <a:sysClr val="windowText" lastClr="000000"/>
+                </a:solidFill>
+                <a:effectLst>
+                  <a:outerShdw blurRad="38100" dist="19050" dir="2700000" algn="tl" rotWithShape="0">
+                    <a:schemeClr val="dk1">
+                      <a:alpha val="40000"/>
+                    </a:schemeClr>
+                  </a:outerShdw>
+                </a:effectLst>
+              </a:rPr>
+              <a:t>для аналитики </a:t>
+            </a:r>
+          </a:p>
+          <a:p>
+            <a:pPr algn="ctr"/>
+            <a:r>
+              <a:rPr lang="ru-RU" sz="5400" dirty="0" smtClean="0">
+                <a:ln w="0"/>
+                <a:solidFill>
+                  <a:sysClr val="windowText" lastClr="000000"/>
+                </a:solidFill>
+                <a:effectLst>
+                  <a:outerShdw blurRad="38100" dist="19050" dir="2700000" algn="tl" rotWithShape="0">
+                    <a:schemeClr val="dk1">
+                      <a:alpha val="40000"/>
+                    </a:schemeClr>
+                  </a:outerShdw>
+                </a:effectLst>
+              </a:rPr>
+              <a:t>залог прибыли.</a:t>
+            </a:r>
+          </a:p>
+        </p:txBody>
+      </p:sp>
+    </p:spTree>
+    <p:extLst>
+      <p:ext uri="{BB962C8B-B14F-4D97-AF65-F5344CB8AC3E}">
+        <p14:creationId xmlns:p14="http://schemas.microsoft.com/office/powerpoint/2010/main" val="720761104"/>
+      </p:ext>
+    </p:extLst>
+  </p:cSld>
+  <p:clrMapOvr>
+    <a:masterClrMapping/>
+  </p:clrMapOvr>
+  <p:timing>
+    <p:tnLst>
+      <p:par>
+        <p:cTn id="1" dur="indefinite" restart="never" nodeType="tmRoot"/>
+      </p:par>
+    </p:tnLst>
+  </p:timing>
+</p:sld>
+</file>
+
+<file path=ppt/slides/slide11.xml><?xml version="1.0" encoding="utf-8"?>
+<p:sld xmlns:a="http://schemas.openxmlformats.org/drawingml/2006/main" xmlns:r="http://schemas.openxmlformats.org/officeDocument/2006/relationships" xmlns:p="http://schemas.openxmlformats.org/presentationml/2006/main">
+  <p:cSld>
+    <p:spTree>
+      <p:nvGrpSpPr>
+        <p:cNvPr id="1" name=""/>
+        <p:cNvGrpSpPr/>
+        <p:nvPr/>
+      </p:nvGrpSpPr>
+      <p:grpSpPr>
+        <a:xfrm>
+          <a:off x="0" y="0"/>
+          <a:ext cx="0" cy="0"/>
+          <a:chOff x="0" y="0"/>
+          <a:chExt cx="0" cy="0"/>
+        </a:xfrm>
+      </p:grpSpPr>
+      <p:sp>
+        <p:nvSpPr>
+          <p:cNvPr id="2" name="Заголовок 1"/>
+          <p:cNvSpPr>
+            <a:spLocks noGrp="1"/>
+          </p:cNvSpPr>
+          <p:nvPr>
+            <p:ph type="title"/>
+          </p:nvPr>
+        </p:nvSpPr>
+        <p:spPr/>
+        <p:txBody>
+          <a:bodyPr/>
+          <a:lstStyle/>
+          <a:p>
+            <a:endParaRPr lang="ru-RU"/>
+          </a:p>
+        </p:txBody>
+      </p:sp>
+      <p:pic>
+        <p:nvPicPr>
+          <p:cNvPr id="4" name="Объект 3"/>
+          <p:cNvPicPr>
+            <a:picLocks noGrp="1" noChangeAspect="1"/>
+          </p:cNvPicPr>
+          <p:nvPr>
+            <p:ph idx="1"/>
+          </p:nvPr>
+        </p:nvPicPr>
+        <p:blipFill>
+          <a:blip r:embed="rId2" cstate="print">
+            <a:extLst>
+              <a:ext uri="{28A0092B-C50C-407E-A947-70E740481C1C}">
+                <a14:useLocalDpi xmlns:a14="http://schemas.microsoft.com/office/drawing/2010/main" val="0"/>
+              </a:ext>
+            </a:extLst>
+          </a:blip>
+          <a:stretch>
+            <a:fillRect/>
+          </a:stretch>
+        </p:blipFill>
+        <p:spPr>
+          <a:xfrm>
+            <a:off x="-1" y="-1"/>
+            <a:ext cx="12192001" cy="6863095"/>
+          </a:xfrm>
+        </p:spPr>
+      </p:pic>
+      <p:sp>
+        <p:nvSpPr>
+          <p:cNvPr id="7" name="Прямоугольник 6"/>
+          <p:cNvSpPr/>
+          <p:nvPr/>
+        </p:nvSpPr>
+        <p:spPr>
+          <a:xfrm>
+            <a:off x="1599074" y="918904"/>
+            <a:ext cx="9490840" cy="4131900"/>
+          </a:xfrm>
+          <a:prstGeom prst="rect">
+            <a:avLst/>
+          </a:prstGeom>
+          <a:noFill/>
+          <a:ln>
+            <a:noFill/>
+          </a:ln>
+        </p:spPr>
+        <p:txBody>
+          <a:bodyPr wrap="square" lIns="91440" tIns="45720" rIns="91440" bIns="45720">
+            <a:spAutoFit/>
+          </a:bodyPr>
+          <a:lstStyle/>
+          <a:p>
+            <a:pPr algn="ctr"/>
+            <a:endParaRPr lang="ru-RU" sz="5400" dirty="0">
+              <a:ln w="0"/>
+              <a:solidFill>
+                <a:schemeClr val="bg1"/>
+              </a:solidFill>
+              <a:effectLst>
+                <a:outerShdw blurRad="38100" dist="19050" dir="2700000" algn="tl" rotWithShape="0">
+                  <a:schemeClr val="dk1">
+                    <a:alpha val="40000"/>
+                  </a:schemeClr>
+                </a:outerShdw>
+              </a:effectLst>
+            </a:endParaRPr>
+          </a:p>
+          <a:p>
+            <a:pPr algn="ctr"/>
+            <a:r>
+              <a:rPr lang="ru-RU" sz="5400" b="0" cap="none" spc="0" dirty="0" smtClean="0">
+                <a:ln w="0"/>
+                <a:solidFill>
+                  <a:schemeClr val="bg1"/>
+                </a:solidFill>
+                <a:effectLst>
+                  <a:outerShdw blurRad="38100" dist="19050" dir="2700000" algn="tl" rotWithShape="0">
+                    <a:schemeClr val="dk1">
+                      <a:alpha val="40000"/>
+                    </a:schemeClr>
+                  </a:outerShdw>
+                </a:effectLst>
+              </a:rPr>
+              <a:t>Спасибо!</a:t>
+            </a:r>
+          </a:p>
+          <a:p>
+            <a:pPr algn="ctr"/>
+            <a:endParaRPr lang="ru-RU" sz="1050" b="0" cap="none" spc="0" dirty="0" smtClean="0">
+              <a:ln w="0"/>
+              <a:solidFill>
+                <a:schemeClr val="bg1"/>
+              </a:solidFill>
+              <a:effectLst>
+                <a:outerShdw blurRad="38100" dist="19050" dir="2700000" algn="tl" rotWithShape="0">
+                  <a:schemeClr val="dk1">
+                    <a:alpha val="40000"/>
+                  </a:schemeClr>
+                </a:outerShdw>
+              </a:effectLst>
+            </a:endParaRPr>
+          </a:p>
+          <a:p>
+            <a:pPr algn="ctr"/>
+            <a:r>
+              <a:rPr lang="ru-RU" dirty="0" smtClean="0">
+                <a:solidFill>
+                  <a:schemeClr val="bg1"/>
+                </a:solidFill>
+              </a:rPr>
+              <a:t>Узнать больше о рекламных продуктах Яндекса можно </a:t>
+            </a:r>
+          </a:p>
+          <a:p>
+            <a:pPr algn="ctr"/>
+            <a:r>
+              <a:rPr lang="ru-RU" dirty="0" smtClean="0">
+                <a:solidFill>
+                  <a:schemeClr val="bg1"/>
+                </a:solidFill>
+                <a:hlinkClick r:id="rId3"/>
+              </a:rPr>
+              <a:t>на сайте рекламных технологий </a:t>
+            </a:r>
+            <a:r>
+              <a:rPr lang="ru-RU" dirty="0" smtClean="0">
+                <a:solidFill>
+                  <a:schemeClr val="bg1"/>
+                </a:solidFill>
+              </a:rPr>
+              <a:t>или в разделе «</a:t>
+            </a:r>
+            <a:r>
+              <a:rPr lang="ru-RU" dirty="0" smtClean="0">
+                <a:solidFill>
+                  <a:schemeClr val="bg1"/>
+                </a:solidFill>
+                <a:hlinkClick r:id="rId4"/>
+              </a:rPr>
+              <a:t>Помощь</a:t>
+            </a:r>
+            <a:r>
+              <a:rPr lang="ru-RU" dirty="0" smtClean="0">
+                <a:solidFill>
+                  <a:schemeClr val="bg1"/>
+                </a:solidFill>
+              </a:rPr>
+              <a:t>». </a:t>
+            </a:r>
+          </a:p>
+          <a:p>
+            <a:pPr algn="ctr"/>
+            <a:endParaRPr lang="ru-RU" dirty="0" smtClean="0">
+              <a:solidFill>
+                <a:schemeClr val="bg1"/>
+              </a:solidFill>
+            </a:endParaRPr>
+          </a:p>
+          <a:p>
+            <a:pPr algn="ctr"/>
+            <a:r>
+              <a:rPr lang="ru-RU" dirty="0" smtClean="0">
+                <a:solidFill>
+                  <a:schemeClr val="bg1"/>
+                </a:solidFill>
+              </a:rPr>
+              <a:t>Если у вас остались вопросы, свяжитесь с вашим менеджером </a:t>
+            </a:r>
+          </a:p>
+          <a:p>
+            <a:pPr algn="ctr"/>
+            <a:r>
+              <a:rPr lang="ru-RU" dirty="0" smtClean="0">
+                <a:solidFill>
+                  <a:schemeClr val="bg1"/>
+                </a:solidFill>
+              </a:rPr>
+              <a:t>или позвоните в отдел клиентского сервиса: 8 (800) 234 24 80.</a:t>
+            </a:r>
+            <a:endParaRPr lang="ru-RU" b="0" cap="none" spc="0" dirty="0" smtClean="0">
+              <a:ln w="0"/>
+              <a:solidFill>
+                <a:schemeClr val="bg1"/>
+              </a:solidFill>
+              <a:effectLst>
+                <a:outerShdw blurRad="38100" dist="19050" dir="2700000" algn="tl" rotWithShape="0">
+                  <a:schemeClr val="dk1">
+                    <a:alpha val="40000"/>
+                  </a:schemeClr>
+                </a:outerShdw>
+              </a:effectLst>
+            </a:endParaRPr>
+          </a:p>
+          <a:p>
+            <a:pPr algn="ctr"/>
+            <a:endParaRPr lang="ru-RU" sz="5400" b="1" cap="none" spc="0" dirty="0" smtClean="0">
+              <a:ln w="0"/>
+              <a:solidFill>
+                <a:schemeClr val="bg1"/>
+              </a:solidFill>
+              <a:effectLst>
+                <a:outerShdw blurRad="38100" dist="19050" dir="2700000" algn="tl" rotWithShape="0">
+                  <a:schemeClr val="dk1">
+                    <a:alpha val="40000"/>
+                  </a:schemeClr>
+                </a:outerShdw>
+              </a:effectLst>
+            </a:endParaRPr>
+          </a:p>
+        </p:txBody>
+      </p:sp>
+      <p:sp>
+        <p:nvSpPr>
+          <p:cNvPr id="8" name="Прямоугольник 7"/>
+          <p:cNvSpPr/>
+          <p:nvPr/>
+        </p:nvSpPr>
+        <p:spPr>
+          <a:xfrm>
+            <a:off x="2148615" y="3245028"/>
+            <a:ext cx="8720583" cy="276999"/>
+          </a:xfrm>
+          <a:prstGeom prst="rect">
+            <a:avLst/>
+          </a:prstGeom>
+          <a:noFill/>
+          <a:ln>
+            <a:noFill/>
+          </a:ln>
+        </p:spPr>
+        <p:txBody>
+          <a:bodyPr wrap="square" lIns="91440" tIns="45720" rIns="91440" bIns="45720">
+            <a:spAutoFit/>
+          </a:bodyPr>
+          <a:lstStyle/>
+          <a:p>
+            <a:pPr algn="ctr"/>
+            <a:endParaRPr lang="ru-RU" sz="1200" b="0" cap="none" spc="0" dirty="0">
+              <a:ln w="0"/>
+              <a:solidFill>
+                <a:schemeClr val="bg1"/>
+              </a:solidFill>
+              <a:effectLst>
+                <a:outerShdw blurRad="38100" dist="19050" dir="2700000" algn="tl" rotWithShape="0">
+                  <a:schemeClr val="dk1">
+                    <a:alpha val="40000"/>
+                  </a:schemeClr>
+                </a:outerShdw>
+              </a:effectLst>
+            </a:endParaRPr>
+          </a:p>
+        </p:txBody>
+      </p:sp>
+    </p:spTree>
+    <p:extLst>
+      <p:ext uri="{BB962C8B-B14F-4D97-AF65-F5344CB8AC3E}">
+        <p14:creationId xmlns:p14="http://schemas.microsoft.com/office/powerpoint/2010/main" val="2970255937"/>
+      </p:ext>
+    </p:extLst>
+  </p:cSld>
+  <p:clrMapOvr>
+    <a:masterClrMapping/>
+  </p:clrMapOvr>
+  <p:timing>
+    <p:tnLst>
+      <p:par>
+        <p:cTn id="1" dur="indefinite" restart="never" nodeType="tmRoot"/>
+      </p:par>
+    </p:tnLst>
+  </p:timing>
+</p:sld>
+</file>
+
 <file path=ppt/slides/slide2.xml><?xml version="1.0" encoding="utf-8"?>
 <p:sld xmlns:a="http://schemas.openxmlformats.org/drawingml/2006/main" xmlns:r="http://schemas.openxmlformats.org/officeDocument/2006/relationships" xmlns:p="http://schemas.openxmlformats.org/presentationml/2006/main">
   <p:cSld>
@@ -3231,42 +3713,134 @@
       </p:grpSpPr>
       <p:sp>
         <p:nvSpPr>
-          <p:cNvPr id="2" name="Заголовок 1"/>
-          <p:cNvSpPr>
-            <a:spLocks noGrp="1"/>
-          </p:cNvSpPr>
-          <p:nvPr>
-            <p:ph type="ctrTitle"/>
-          </p:nvPr>
-        </p:nvSpPr>
-        <p:spPr/>
-        <p:txBody>
-          <a:bodyPr/>
-          <a:lstStyle/>
-          <a:p>
-            <a:endParaRPr lang="ru-RU" dirty="0"/>
-          </a:p>
-        </p:txBody>
-      </p:sp>
-      <p:sp>
-        <p:nvSpPr>
-          <p:cNvPr id="3" name="Подзаголовок 2"/>
-          <p:cNvSpPr>
-            <a:spLocks noGrp="1"/>
-          </p:cNvSpPr>
-          <p:nvPr>
-            <p:ph type="subTitle" idx="1"/>
-          </p:nvPr>
-        </p:nvSpPr>
-        <p:spPr/>
-        <p:txBody>
-          <a:bodyPr/>
-          <a:lstStyle/>
-          <a:p>
-            <a:endParaRPr lang="ru-RU"/>
-          </a:p>
-        </p:txBody>
-      </p:sp>
+          <p:cNvPr id="5" name="Прямоугольник 4"/>
+          <p:cNvSpPr/>
+          <p:nvPr/>
+        </p:nvSpPr>
+        <p:spPr>
+          <a:xfrm>
+            <a:off x="675005" y="1991975"/>
+            <a:ext cx="6686574" cy="3416320"/>
+          </a:xfrm>
+          <a:prstGeom prst="rect">
+            <a:avLst/>
+          </a:prstGeom>
+          <a:noFill/>
+        </p:spPr>
+        <p:txBody>
+          <a:bodyPr wrap="none" lIns="91440" tIns="45720" rIns="91440" bIns="45720">
+            <a:spAutoFit/>
+          </a:bodyPr>
+          <a:lstStyle/>
+          <a:p>
+            <a:pPr algn="ctr"/>
+            <a:r>
+              <a:rPr lang="ru-RU" sz="5400" dirty="0" smtClean="0">
+                <a:ln w="0"/>
+                <a:effectLst>
+                  <a:outerShdw blurRad="38100" dist="19050" dir="2700000" algn="tl" rotWithShape="0">
+                    <a:schemeClr val="dk1">
+                      <a:alpha val="40000"/>
+                    </a:schemeClr>
+                  </a:outerShdw>
+                </a:effectLst>
+              </a:rPr>
+              <a:t>Для чего необходима </a:t>
+            </a:r>
+          </a:p>
+          <a:p>
+            <a:pPr algn="ctr"/>
+            <a:r>
+              <a:rPr lang="ru-RU" sz="5400" dirty="0" smtClean="0">
+                <a:ln w="0"/>
+                <a:effectLst>
+                  <a:outerShdw blurRad="38100" dist="19050" dir="2700000" algn="tl" rotWithShape="0">
+                    <a:schemeClr val="dk1">
+                      <a:alpha val="40000"/>
+                    </a:schemeClr>
+                  </a:outerShdw>
+                </a:effectLst>
+              </a:rPr>
+              <a:t>единая система </a:t>
+            </a:r>
+          </a:p>
+          <a:p>
+            <a:pPr algn="ctr"/>
+            <a:r>
+              <a:rPr lang="ru-RU" sz="5400" dirty="0" smtClean="0">
+                <a:ln w="0"/>
+                <a:effectLst>
+                  <a:outerShdw blurRad="38100" dist="19050" dir="2700000" algn="tl" rotWithShape="0">
+                    <a:schemeClr val="dk1">
+                      <a:alpha val="40000"/>
+                    </a:schemeClr>
+                  </a:outerShdw>
+                </a:effectLst>
+              </a:rPr>
+              <a:t>продажи и аналитики</a:t>
+            </a:r>
+          </a:p>
+          <a:p>
+            <a:pPr algn="ctr"/>
+            <a:r>
+              <a:rPr lang="ru-RU" sz="5400" dirty="0" smtClean="0">
+                <a:ln w="0"/>
+                <a:effectLst>
+                  <a:outerShdw blurRad="38100" dist="19050" dir="2700000" algn="tl" rotWithShape="0">
+                    <a:schemeClr val="dk1">
+                      <a:alpha val="40000"/>
+                    </a:schemeClr>
+                  </a:outerShdw>
+                </a:effectLst>
+              </a:rPr>
+              <a:t> </a:t>
+            </a:r>
+            <a:endParaRPr lang="ru-RU" sz="5400" b="0" cap="none" spc="0" dirty="0">
+              <a:ln w="0"/>
+              <a:solidFill>
+                <a:schemeClr val="tx1"/>
+              </a:solidFill>
+              <a:effectLst>
+                <a:outerShdw blurRad="38100" dist="19050" dir="2700000" algn="tl" rotWithShape="0">
+                  <a:schemeClr val="dk1">
+                    <a:alpha val="40000"/>
+                  </a:schemeClr>
+                </a:outerShdw>
+              </a:effectLst>
+            </a:endParaRPr>
+          </a:p>
+        </p:txBody>
+      </p:sp>
+      <p:pic>
+        <p:nvPicPr>
+          <p:cNvPr id="7" name="Рисунок 6"/>
+          <p:cNvPicPr>
+            <a:picLocks noChangeAspect="1"/>
+          </p:cNvPicPr>
+          <p:nvPr/>
+        </p:nvPicPr>
+        <p:blipFill>
+          <a:blip r:embed="rId2" cstate="print">
+            <a:extLst>
+              <a:ext uri="{28A0092B-C50C-407E-A947-70E740481C1C}">
+                <a14:useLocalDpi xmlns:a14="http://schemas.microsoft.com/office/drawing/2010/main" val="0"/>
+              </a:ext>
+            </a:extLst>
+          </a:blip>
+          <a:stretch>
+            <a:fillRect/>
+          </a:stretch>
+        </p:blipFill>
+        <p:spPr>
+          <a:xfrm>
+            <a:off x="3802986" y="0"/>
+            <a:ext cx="10278774" cy="6858000"/>
+          </a:xfrm>
+          <a:prstGeom prst="rect">
+            <a:avLst/>
+          </a:prstGeom>
+        </p:spPr>
+      </p:pic>
     </p:spTree>
     <p:extLst>
       <p:ext uri="{BB962C8B-B14F-4D97-AF65-F5344CB8AC3E}">
@@ -3314,52 +3888,63 @@
       </p:grpSpPr>
       <p:sp>
         <p:nvSpPr>
-          <p:cNvPr id="2" name="Заголовок 1"/>
-          <p:cNvSpPr>
-            <a:spLocks noGrp="1"/>
-          </p:cNvSpPr>
-          <p:nvPr>
-            <p:ph type="title"/>
-          </p:nvPr>
-        </p:nvSpPr>
-        <p:spPr/>
-        <p:txBody>
-          <a:bodyPr/>
-          <a:lstStyle/>
-          <a:p>
-            <a:endParaRPr lang="ru-RU"/>
-          </a:p>
-        </p:txBody>
-      </p:sp>
-      <p:sp>
-        <p:nvSpPr>
-          <p:cNvPr id="3" name="Объект 2"/>
-          <p:cNvSpPr>
-            <a:spLocks noGrp="1"/>
-          </p:cNvSpPr>
-          <p:nvPr>
-            <p:ph idx="1"/>
-          </p:nvPr>
-        </p:nvSpPr>
-        <p:spPr/>
-        <p:txBody>
-          <a:bodyPr/>
-          <a:lstStyle/>
-          <a:p>
-            <a:endParaRPr lang="ru-RU"/>
+          <p:cNvPr id="5" name="Прямоугольник 4"/>
+          <p:cNvSpPr/>
+          <p:nvPr/>
+        </p:nvSpPr>
+        <p:spPr>
+          <a:xfrm>
+            <a:off x="2052136" y="2967335"/>
+            <a:ext cx="8087728" cy="923330"/>
+          </a:xfrm>
+          <a:prstGeom prst="rect">
+            <a:avLst/>
+          </a:prstGeom>
+          <a:noFill/>
+        </p:spPr>
+        <p:txBody>
+          <a:bodyPr wrap="none" lIns="91440" tIns="45720" rIns="91440" bIns="45720">
+            <a:spAutoFit/>
+          </a:bodyPr>
+          <a:lstStyle/>
+          <a:p>
+            <a:pPr algn="ctr"/>
+            <a:r>
+              <a:rPr lang="ru-RU" sz="5400" b="0" cap="none" spc="0" dirty="0">
+                <a:ln w="0"/>
+                <a:solidFill>
+                  <a:schemeClr val="tx1"/>
+                </a:solidFill>
+                <a:effectLst>
+                  <a:outerShdw blurRad="38100" dist="19050" dir="2700000" algn="tl" rotWithShape="0">
+                    <a:schemeClr val="dk1">
+                      <a:alpha val="40000"/>
+                    </a:schemeClr>
+                  </a:outerShdw>
+                </a:effectLst>
+              </a:rPr>
+              <a:t>Поместите здесь ваш текст</a:t>
+            </a:r>
           </a:p>
         </p:txBody>
       </p:sp>
     </p:spTree>
     <p:extLst>
       <p:ext uri="{BB962C8B-B14F-4D97-AF65-F5344CB8AC3E}">
-        <p14:creationId xmlns:p14="http://schemas.microsoft.com/office/powerpoint/2010/main" val="3619481480"/>
+        <p14:creationId xmlns:p14="http://schemas.microsoft.com/office/powerpoint/2010/main" val="1059873454"/>
       </p:ext>
     </p:extLst>
   </p:cSld>
   <p:clrMapOvr>
     <a:masterClrMapping/>
   </p:clrMapOvr>
+  <p:timing>
+    <p:tnLst>
+      <p:par>
+        <p:cTn id="1" dur="indefinite" restart="never" nodeType="tmRoot"/>
+      </p:par>
+    </p:tnLst>
+  </p:timing>
 </p:sld>
 </file>
 
@@ -3390,56 +3975,154 @@
       </p:grpSpPr>
       <p:sp>
         <p:nvSpPr>
-          <p:cNvPr id="2" name="Заголовок 1"/>
-          <p:cNvSpPr>
-            <a:spLocks noGrp="1"/>
-          </p:cNvSpPr>
-          <p:nvPr>
-            <p:ph type="title"/>
-          </p:nvPr>
-        </p:nvSpPr>
-        <p:spPr/>
-        <p:txBody>
-          <a:bodyPr/>
-          <a:lstStyle/>
-          <a:p>
-            <a:endParaRPr lang="ru-RU"/>
-          </a:p>
-        </p:txBody>
-      </p:sp>
-      <p:sp>
-        <p:nvSpPr>
-          <p:cNvPr id="3" name="Объект 2"/>
-          <p:cNvSpPr>
-            <a:spLocks noGrp="1"/>
-          </p:cNvSpPr>
-          <p:nvPr>
-            <p:ph idx="1"/>
-          </p:nvPr>
-        </p:nvSpPr>
-        <p:spPr/>
-        <p:txBody>
-          <a:bodyPr/>
-          <a:lstStyle/>
-          <a:p>
-            <a:endParaRPr lang="ru-RU"/>
+          <p:cNvPr id="5" name="Прямоугольник 4"/>
+          <p:cNvSpPr/>
+          <p:nvPr/>
+        </p:nvSpPr>
+        <p:spPr>
+          <a:xfrm>
+            <a:off x="2052136" y="2967335"/>
+            <a:ext cx="8087728" cy="923330"/>
+          </a:xfrm>
+          <a:prstGeom prst="rect">
+            <a:avLst/>
+          </a:prstGeom>
+          <a:noFill/>
+        </p:spPr>
+        <p:txBody>
+          <a:bodyPr wrap="none" lIns="91440" tIns="45720" rIns="91440" bIns="45720">
+            <a:spAutoFit/>
+          </a:bodyPr>
+          <a:lstStyle/>
+          <a:p>
+            <a:pPr algn="ctr"/>
+            <a:r>
+              <a:rPr lang="ru-RU" sz="5400" b="0" cap="none" spc="0" dirty="0">
+                <a:ln w="0"/>
+                <a:solidFill>
+                  <a:schemeClr val="tx1"/>
+                </a:solidFill>
+                <a:effectLst>
+                  <a:outerShdw blurRad="38100" dist="19050" dir="2700000" algn="tl" rotWithShape="0">
+                    <a:schemeClr val="dk1">
+                      <a:alpha val="40000"/>
+                    </a:schemeClr>
+                  </a:outerShdw>
+                </a:effectLst>
+              </a:rPr>
+              <a:t>Поместите здесь ваш текст</a:t>
+            </a:r>
           </a:p>
         </p:txBody>
       </p:sp>
     </p:spTree>
     <p:extLst>
       <p:ext uri="{BB962C8B-B14F-4D97-AF65-F5344CB8AC3E}">
-        <p14:creationId xmlns:p14="http://schemas.microsoft.com/office/powerpoint/2010/main" val="720761104"/>
+        <p14:creationId xmlns:p14="http://schemas.microsoft.com/office/powerpoint/2010/main" val="1272710205"/>
       </p:ext>
     </p:extLst>
   </p:cSld>
   <p:clrMapOvr>
     <a:masterClrMapping/>
   </p:clrMapOvr>
+  <p:timing>
+    <p:tnLst>
+      <p:par>
+        <p:cTn id="1" dur="indefinite" restart="never" nodeType="tmRoot"/>
+      </p:par>
+    </p:tnLst>
+  </p:timing>
 </p:sld>
 </file>
 
 <file path=ppt/slides/slide5.xml><?xml version="1.0" encoding="utf-8"?>
+<p:sld xmlns:a="http://schemas.openxmlformats.org/drawingml/2006/main" xmlns:r="http://schemas.openxmlformats.org/officeDocument/2006/relationships" xmlns:p="http://schemas.openxmlformats.org/presentationml/2006/main">
+  <p:cSld>
+    <p:bg>
+      <p:bgPr>
+        <a:solidFill>
+          <a:srgbClr val="5B9BD5"/>
+        </a:solidFill>
+        <a:effectLst/>
+      </p:bgPr>
+    </p:bg>
+    <p:spTree>
+      <p:nvGrpSpPr>
+        <p:cNvPr id="1" name=""/>
+        <p:cNvGrpSpPr/>
+        <p:nvPr/>
+      </p:nvGrpSpPr>
+      <p:grpSpPr>
+        <a:xfrm>
+          <a:off x="0" y="0"/>
+          <a:ext cx="0" cy="0"/>
+          <a:chOff x="0" y="0"/>
+          <a:chExt cx="0" cy="0"/>
+        </a:xfrm>
+      </p:grpSpPr>
+      <p:sp>
+        <p:nvSpPr>
+          <p:cNvPr id="5" name="Прямоугольник 4"/>
+          <p:cNvSpPr/>
+          <p:nvPr/>
+        </p:nvSpPr>
+        <p:spPr>
+          <a:xfrm>
+            <a:off x="2052136" y="2967335"/>
+            <a:ext cx="8087728" cy="923330"/>
+          </a:xfrm>
+          <a:prstGeom prst="rect">
+            <a:avLst/>
+          </a:prstGeom>
+          <a:noFill/>
+        </p:spPr>
+        <p:txBody>
+          <a:bodyPr wrap="none" lIns="91440" tIns="45720" rIns="91440" bIns="45720">
+            <a:spAutoFit/>
+          </a:bodyPr>
+          <a:lstStyle/>
+          <a:p>
+            <a:pPr algn="ctr"/>
+            <a:r>
+              <a:rPr lang="ru-RU" sz="5400" b="0" cap="none" spc="0" dirty="0">
+                <a:ln w="0"/>
+                <a:solidFill>
+                  <a:schemeClr val="tx1"/>
+                </a:solidFill>
+                <a:effectLst>
+                  <a:outerShdw blurRad="38100" dist="19050" dir="2700000" algn="tl" rotWithShape="0">
+                    <a:schemeClr val="dk1">
+                      <a:alpha val="40000"/>
+                    </a:schemeClr>
+                  </a:outerShdw>
+                </a:effectLst>
+              </a:rPr>
+              <a:t>Поместите здесь ваш текст</a:t>
+            </a:r>
+          </a:p>
+        </p:txBody>
+      </p:sp>
+    </p:spTree>
+    <p:extLst>
+      <p:ext uri="{BB962C8B-B14F-4D97-AF65-F5344CB8AC3E}">
+        <p14:creationId xmlns:p14="http://schemas.microsoft.com/office/powerpoint/2010/main" val="1124807757"/>
+      </p:ext>
+    </p:extLst>
+  </p:cSld>
+  <p:clrMapOvr>
+    <a:masterClrMapping/>
+  </p:clrMapOvr>
+  <p:timing>
+    <p:tnLst>
+      <p:par>
+        <p:cTn id="1" dur="indefinite" restart="never" nodeType="tmRoot"/>
+      </p:par>
+    </p:tnLst>
+  </p:timing>
+</p:sld>
+</file>
+
+<file path=ppt/slides/slide6.xml><?xml version="1.0" encoding="utf-8"?>
 <p:sld xmlns:a="http://schemas.openxmlformats.org/drawingml/2006/main" xmlns:r="http://schemas.openxmlformats.org/officeDocument/2006/relationships" xmlns:p="http://schemas.openxmlformats.org/presentationml/2006/main">
   <p:cSld>
     <p:bg>
@@ -3466,39 +4149,43 @@
       </p:grpSpPr>
       <p:sp>
         <p:nvSpPr>
-          <p:cNvPr id="2" name="Заголовок 1"/>
-          <p:cNvSpPr>
-            <a:spLocks noGrp="1"/>
-          </p:cNvSpPr>
-          <p:nvPr>
-            <p:ph type="title"/>
-          </p:nvPr>
-        </p:nvSpPr>
-        <p:spPr/>
-        <p:txBody>
-          <a:bodyPr/>
-          <a:lstStyle/>
-          <a:p>
-            <a:endParaRPr lang="ru-RU"/>
-          </a:p>
-        </p:txBody>
-      </p:sp>
-      <p:sp>
-        <p:nvSpPr>
-          <p:cNvPr id="3" name="Объект 2"/>
-          <p:cNvSpPr>
-            <a:spLocks noGrp="1"/>
-          </p:cNvSpPr>
-          <p:nvPr>
-            <p:ph idx="1"/>
-          </p:nvPr>
-        </p:nvSpPr>
-        <p:spPr/>
-        <p:txBody>
-          <a:bodyPr/>
-          <a:lstStyle/>
-          <a:p>
-            <a:endParaRPr lang="ru-RU"/>
+          <p:cNvPr id="4" name="Прямоугольник 3"/>
+          <p:cNvSpPr/>
+          <p:nvPr/>
+        </p:nvSpPr>
+        <p:spPr>
+          <a:xfrm>
+            <a:off x="2052136" y="2967335"/>
+            <a:ext cx="8087728" cy="923330"/>
+          </a:xfrm>
+          <a:prstGeom prst="rect">
+            <a:avLst/>
+          </a:prstGeom>
+          <a:noFill/>
+        </p:spPr>
+        <p:txBody>
+          <a:bodyPr wrap="none" lIns="91440" tIns="45720" rIns="91440" bIns="45720">
+            <a:spAutoFit/>
+          </a:bodyPr>
+          <a:lstStyle/>
+          <a:p>
+            <a:pPr algn="ctr"/>
+            <a:r>
+              <a:rPr lang="ru-RU" sz="5400" b="0" cap="none" spc="0" dirty="0">
+                <a:ln w="0"/>
+                <a:solidFill>
+                  <a:schemeClr val="tx1"/>
+                </a:solidFill>
+                <a:effectLst>
+                  <a:outerShdw blurRad="38100" dist="19050" dir="2700000" algn="tl" rotWithShape="0">
+                    <a:schemeClr val="dk1">
+                      <a:alpha val="40000"/>
+                    </a:schemeClr>
+                  </a:outerShdw>
+                </a:effectLst>
+              </a:rPr>
+              <a:t>Поместите здесь ваш текст</a:t>
+            </a:r>
           </a:p>
         </p:txBody>
       </p:sp>
@@ -3512,82 +4199,13 @@
   <p:clrMapOvr>
     <a:masterClrMapping/>
   </p:clrMapOvr>
-</p:sld>
-</file>
-
-<file path=ppt/slides/slide6.xml><?xml version="1.0" encoding="utf-8"?>
-<p:sld xmlns:a="http://schemas.openxmlformats.org/drawingml/2006/main" xmlns:r="http://schemas.openxmlformats.org/officeDocument/2006/relationships" xmlns:p="http://schemas.openxmlformats.org/presentationml/2006/main">
-  <p:cSld>
-    <p:bg>
-      <p:bgPr>
-        <a:solidFill>
-          <a:srgbClr val="5B9BD5"/>
-        </a:solidFill>
-        <a:effectLst/>
-      </p:bgPr>
-    </p:bg>
-    <p:spTree>
-      <p:nvGrpSpPr>
-        <p:cNvPr id="1" name=""/>
-        <p:cNvGrpSpPr/>
-        <p:nvPr/>
-      </p:nvGrpSpPr>
-      <p:grpSpPr>
-        <a:xfrm>
-          <a:off x="0" y="0"/>
-          <a:ext cx="0" cy="0"/>
-          <a:chOff x="0" y="0"/>
-          <a:chExt cx="0" cy="0"/>
-        </a:xfrm>
-      </p:grpSpPr>
-      <p:sp>
-        <p:nvSpPr>
-          <p:cNvPr id="2" name="Заголовок 1"/>
-          <p:cNvSpPr>
-            <a:spLocks noGrp="1"/>
-          </p:cNvSpPr>
-          <p:nvPr>
-            <p:ph type="title"/>
-          </p:nvPr>
-        </p:nvSpPr>
-        <p:spPr/>
-        <p:txBody>
-          <a:bodyPr/>
-          <a:lstStyle/>
-          <a:p>
-            <a:endParaRPr lang="ru-RU"/>
-          </a:p>
-        </p:txBody>
-      </p:sp>
-      <p:sp>
-        <p:nvSpPr>
-          <p:cNvPr id="3" name="Объект 2"/>
-          <p:cNvSpPr>
-            <a:spLocks noGrp="1"/>
-          </p:cNvSpPr>
-          <p:nvPr>
-            <p:ph idx="1"/>
-          </p:nvPr>
-        </p:nvSpPr>
-        <p:spPr/>
-        <p:txBody>
-          <a:bodyPr/>
-          <a:lstStyle/>
-          <a:p>
-            <a:endParaRPr lang="ru-RU"/>
-          </a:p>
-        </p:txBody>
-      </p:sp>
-    </p:spTree>
-    <p:extLst>
-      <p:ext uri="{BB962C8B-B14F-4D97-AF65-F5344CB8AC3E}">
-        <p14:creationId xmlns:p14="http://schemas.microsoft.com/office/powerpoint/2010/main" val="1254334730"/>
-      </p:ext>
-    </p:extLst>
-  </p:cSld>
-  <p:clrMapOvr>
-    <a:masterClrMapping/>
-  </p:clrMapOvr>
+  <p:timing>
+    <p:tnLst>
+      <p:par>
+        <p:cTn id="1" dur="indefinite" restart="never" nodeType="tmRoot"/>
+      </p:par>
+    </p:tnLst>
+  </p:timing>
 </p:sld>
 </file>
 
@@ -3618,42 +4236,99 @@
       </p:grpSpPr>
       <p:sp>
         <p:nvSpPr>
-          <p:cNvPr id="2" name="Заголовок 1"/>
-          <p:cNvSpPr>
-            <a:spLocks noGrp="1"/>
-          </p:cNvSpPr>
-          <p:nvPr>
-            <p:ph type="title"/>
-          </p:nvPr>
-        </p:nvSpPr>
-        <p:spPr/>
-        <p:txBody>
-          <a:bodyPr/>
-          <a:lstStyle/>
-          <a:p>
-            <a:endParaRPr lang="ru-RU"/>
-          </a:p>
-        </p:txBody>
-      </p:sp>
-      <p:sp>
-        <p:nvSpPr>
-          <p:cNvPr id="3" name="Объект 2"/>
-          <p:cNvSpPr>
-            <a:spLocks noGrp="1"/>
-          </p:cNvSpPr>
-          <p:nvPr>
-            <p:ph idx="1"/>
-          </p:nvPr>
-        </p:nvSpPr>
-        <p:spPr/>
-        <p:txBody>
-          <a:bodyPr/>
-          <a:lstStyle/>
-          <a:p>
-            <a:endParaRPr lang="ru-RU"/>
-          </a:p>
-        </p:txBody>
-      </p:sp>
+          <p:cNvPr id="4" name="Прямоугольник 3"/>
+          <p:cNvSpPr/>
+          <p:nvPr/>
+        </p:nvSpPr>
+        <p:spPr>
+          <a:xfrm>
+            <a:off x="188796" y="2136338"/>
+            <a:ext cx="7076874" cy="2585323"/>
+          </a:xfrm>
+          <a:prstGeom prst="rect">
+            <a:avLst/>
+          </a:prstGeom>
+          <a:noFill/>
+        </p:spPr>
+        <p:txBody>
+          <a:bodyPr wrap="none" lIns="91440" tIns="45720" rIns="91440" bIns="45720">
+            <a:spAutoFit/>
+          </a:bodyPr>
+          <a:lstStyle/>
+          <a:p>
+            <a:pPr algn="ctr"/>
+            <a:r>
+              <a:rPr lang="ru-RU" sz="5400" dirty="0" smtClean="0">
+                <a:ln w="0"/>
+                <a:effectLst>
+                  <a:outerShdw blurRad="38100" dist="19050" dir="2700000" algn="tl" rotWithShape="0">
+                    <a:schemeClr val="dk1">
+                      <a:alpha val="40000"/>
+                    </a:schemeClr>
+                  </a:outerShdw>
+                </a:effectLst>
+              </a:rPr>
+              <a:t>Возможность работать </a:t>
+            </a:r>
+          </a:p>
+          <a:p>
+            <a:pPr algn="ctr"/>
+            <a:r>
+              <a:rPr lang="ru-RU" sz="5400" dirty="0" smtClean="0">
+                <a:ln w="0"/>
+                <a:effectLst>
+                  <a:outerShdw blurRad="38100" dist="19050" dir="2700000" algn="tl" rotWithShape="0">
+                    <a:schemeClr val="dk1">
+                      <a:alpha val="40000"/>
+                    </a:schemeClr>
+                  </a:outerShdw>
+                </a:effectLst>
+              </a:rPr>
+              <a:t>как с готовой базой, </a:t>
+            </a:r>
+          </a:p>
+          <a:p>
+            <a:pPr algn="ctr"/>
+            <a:r>
+              <a:rPr lang="ru-RU" sz="5400" dirty="0" smtClean="0">
+                <a:ln w="0"/>
+                <a:effectLst>
+                  <a:outerShdw blurRad="38100" dist="19050" dir="2700000" algn="tl" rotWithShape="0">
+                    <a:schemeClr val="dk1">
+                      <a:alpha val="40000"/>
+                    </a:schemeClr>
+                  </a:outerShdw>
+                </a:effectLst>
+              </a:rPr>
+              <a:t>так и создание новой</a:t>
+            </a:r>
+          </a:p>
+        </p:txBody>
+      </p:sp>
+      <p:pic>
+        <p:nvPicPr>
+          <p:cNvPr id="5" name="Рисунок 4"/>
+          <p:cNvPicPr>
+            <a:picLocks noChangeAspect="1"/>
+          </p:cNvPicPr>
+          <p:nvPr/>
+        </p:nvPicPr>
+        <p:blipFill>
+          <a:blip r:embed="rId2"/>
+          <a:stretch>
+            <a:fillRect/>
+          </a:stretch>
+        </p:blipFill>
+        <p:spPr>
+          <a:xfrm>
+            <a:off x="7265670" y="781050"/>
+            <a:ext cx="4152900" cy="5295900"/>
+          </a:xfrm>
+          <a:prstGeom prst="rect">
+            <a:avLst/>
+          </a:prstGeom>
+        </p:spPr>
+      </p:pic>
     </p:spTree>
     <p:extLst>
       <p:ext uri="{BB962C8B-B14F-4D97-AF65-F5344CB8AC3E}">
@@ -3664,12 +4339,27 @@
   <p:clrMapOvr>
     <a:masterClrMapping/>
   </p:clrMapOvr>
+  <p:timing>
+    <p:tnLst>
+      <p:par>
+        <p:cTn id="1" dur="indefinite" restart="never" nodeType="tmRoot"/>
+      </p:par>
+    </p:tnLst>
+  </p:timing>
 </p:sld>
 </file>
 
 <file path=ppt/slides/slide8.xml><?xml version="1.0" encoding="utf-8"?>
 <p:sld xmlns:a="http://schemas.openxmlformats.org/drawingml/2006/main" xmlns:r="http://schemas.openxmlformats.org/officeDocument/2006/relationships" xmlns:p="http://schemas.openxmlformats.org/presentationml/2006/main">
   <p:cSld>
+    <p:bg>
+      <p:bgPr>
+        <a:solidFill>
+          <a:srgbClr val="5B9BD5"/>
+        </a:solidFill>
+        <a:effectLst/>
+      </p:bgPr>
+    </p:bg>
     <p:spTree>
       <p:nvGrpSpPr>
         <p:cNvPr id="1" name=""/>
@@ -3686,32 +4376,226 @@
       </p:grpSpPr>
       <p:sp>
         <p:nvSpPr>
-          <p:cNvPr id="2" name="Заголовок 1"/>
-          <p:cNvSpPr>
-            <a:spLocks noGrp="1"/>
-          </p:cNvSpPr>
-          <p:nvPr>
-            <p:ph type="title"/>
-          </p:nvPr>
-        </p:nvSpPr>
-        <p:spPr/>
-        <p:txBody>
-          <a:bodyPr/>
-          <a:lstStyle/>
-          <a:p>
-            <a:endParaRPr lang="ru-RU"/>
+          <p:cNvPr id="5" name="Прямоугольник 4"/>
+          <p:cNvSpPr/>
+          <p:nvPr/>
+        </p:nvSpPr>
+        <p:spPr>
+          <a:xfrm>
+            <a:off x="423124" y="2003781"/>
+            <a:ext cx="5189177" cy="2585323"/>
+          </a:xfrm>
+          <a:prstGeom prst="rect">
+            <a:avLst/>
+          </a:prstGeom>
+          <a:noFill/>
+        </p:spPr>
+        <p:txBody>
+          <a:bodyPr wrap="none" lIns="91440" tIns="45720" rIns="91440" bIns="45720">
+            <a:spAutoFit/>
+          </a:bodyPr>
+          <a:lstStyle/>
+          <a:p>
+            <a:pPr algn="ctr"/>
+            <a:r>
+              <a:rPr lang="ru-RU" sz="5400" b="0" cap="none" spc="0" dirty="0" smtClean="0">
+                <a:ln w="0"/>
+                <a:solidFill>
+                  <a:schemeClr val="tx1"/>
+                </a:solidFill>
+                <a:effectLst>
+                  <a:outerShdw blurRad="38100" dist="19050" dir="2700000" algn="tl" rotWithShape="0">
+                    <a:schemeClr val="dk1">
+                      <a:alpha val="40000"/>
+                    </a:schemeClr>
+                  </a:outerShdw>
+                </a:effectLst>
+              </a:rPr>
+              <a:t>Редактирование </a:t>
+            </a:r>
+          </a:p>
+          <a:p>
+            <a:pPr algn="ctr"/>
+            <a:r>
+              <a:rPr lang="ru-RU" sz="5400" b="0" cap="none" spc="0" dirty="0" smtClean="0">
+                <a:ln w="0"/>
+                <a:solidFill>
+                  <a:schemeClr val="tx1"/>
+                </a:solidFill>
+                <a:effectLst>
+                  <a:outerShdw blurRad="38100" dist="19050" dir="2700000" algn="tl" rotWithShape="0">
+                    <a:schemeClr val="dk1">
+                      <a:alpha val="40000"/>
+                    </a:schemeClr>
+                  </a:outerShdw>
+                </a:effectLst>
+              </a:rPr>
+              <a:t>и добавление</a:t>
+            </a:r>
+            <a:r>
+              <a:rPr lang="en-US" sz="5400" b="0" cap="none" spc="0" dirty="0" smtClean="0">
+                <a:ln w="0"/>
+                <a:solidFill>
+                  <a:schemeClr val="tx1"/>
+                </a:solidFill>
+                <a:effectLst>
+                  <a:outerShdw blurRad="38100" dist="19050" dir="2700000" algn="tl" rotWithShape="0">
+                    <a:schemeClr val="dk1">
+                      <a:alpha val="40000"/>
+                    </a:schemeClr>
+                  </a:outerShdw>
+                </a:effectLst>
+              </a:rPr>
+              <a:t> </a:t>
+            </a:r>
+            <a:endParaRPr lang="ru-RU" sz="5400" b="0" cap="none" spc="0" dirty="0" smtClean="0">
+              <a:ln w="0"/>
+              <a:solidFill>
+                <a:schemeClr val="tx1"/>
+              </a:solidFill>
+              <a:effectLst>
+                <a:outerShdw blurRad="38100" dist="19050" dir="2700000" algn="tl" rotWithShape="0">
+                  <a:schemeClr val="dk1">
+                    <a:alpha val="40000"/>
+                  </a:schemeClr>
+                </a:outerShdw>
+              </a:effectLst>
+            </a:endParaRPr>
+          </a:p>
+          <a:p>
+            <a:pPr algn="ctr"/>
+            <a:r>
+              <a:rPr lang="ru-RU" sz="5400" b="0" cap="none" spc="0" dirty="0" smtClean="0">
+                <a:ln w="0"/>
+                <a:solidFill>
+                  <a:schemeClr val="tx1"/>
+                </a:solidFill>
+                <a:effectLst>
+                  <a:outerShdw blurRad="38100" dist="19050" dir="2700000" algn="tl" rotWithShape="0">
+                    <a:schemeClr val="dk1">
+                      <a:alpha val="40000"/>
+                    </a:schemeClr>
+                  </a:outerShdw>
+                </a:effectLst>
+              </a:rPr>
+              <a:t>по форме </a:t>
+            </a:r>
+            <a:endParaRPr lang="ru-RU" sz="5400" b="0" cap="none" spc="0" dirty="0">
+              <a:ln w="0"/>
+              <a:solidFill>
+                <a:schemeClr val="tx1"/>
+              </a:solidFill>
+              <a:effectLst>
+                <a:outerShdw blurRad="38100" dist="19050" dir="2700000" algn="tl" rotWithShape="0">
+                  <a:schemeClr val="dk1">
+                    <a:alpha val="40000"/>
+                  </a:schemeClr>
+                </a:outerShdw>
+              </a:effectLst>
+            </a:endParaRPr>
           </a:p>
         </p:txBody>
       </p:sp>
       <p:pic>
         <p:nvPicPr>
-          <p:cNvPr id="4" name="Объект 3"/>
+          <p:cNvPr id="6" name="Рисунок 5"/>
           <p:cNvPicPr>
-            <a:picLocks noGrp="1" noChangeAspect="1"/>
+            <a:picLocks noChangeAspect="1"/>
           </p:cNvPicPr>
-          <p:nvPr>
-            <p:ph idx="1"/>
-          </p:nvPr>
+          <p:nvPr/>
+        </p:nvPicPr>
+        <p:blipFill>
+          <a:blip r:embed="rId2"/>
+          <a:stretch>
+            <a:fillRect/>
+          </a:stretch>
+        </p:blipFill>
+        <p:spPr>
+          <a:xfrm>
+            <a:off x="9026919" y="1747520"/>
+            <a:ext cx="2339817" cy="3097847"/>
+          </a:xfrm>
+          <a:prstGeom prst="rect">
+            <a:avLst/>
+          </a:prstGeom>
+        </p:spPr>
+      </p:pic>
+      <p:pic>
+        <p:nvPicPr>
+          <p:cNvPr id="8" name="Рисунок 7"/>
+          <p:cNvPicPr>
+            <a:picLocks noChangeAspect="1"/>
+          </p:cNvPicPr>
+          <p:nvPr/>
+        </p:nvPicPr>
+        <p:blipFill>
+          <a:blip r:embed="rId3"/>
+          <a:stretch>
+            <a:fillRect/>
+          </a:stretch>
+        </p:blipFill>
+        <p:spPr>
+          <a:xfrm>
+            <a:off x="5714580" y="1747520"/>
+            <a:ext cx="2339996" cy="3098085"/>
+          </a:xfrm>
+          <a:prstGeom prst="rect">
+            <a:avLst/>
+          </a:prstGeom>
+        </p:spPr>
+      </p:pic>
+    </p:spTree>
+    <p:extLst>
+      <p:ext uri="{BB962C8B-B14F-4D97-AF65-F5344CB8AC3E}">
+        <p14:creationId xmlns:p14="http://schemas.microsoft.com/office/powerpoint/2010/main" val="1254334730"/>
+      </p:ext>
+    </p:extLst>
+  </p:cSld>
+  <p:clrMapOvr>
+    <a:masterClrMapping/>
+  </p:clrMapOvr>
+  <p:timing>
+    <p:tnLst>
+      <p:par>
+        <p:cTn id="1" dur="indefinite" restart="never" nodeType="tmRoot"/>
+      </p:par>
+    </p:tnLst>
+  </p:timing>
+</p:sld>
+</file>
+
+<file path=ppt/slides/slide9.xml><?xml version="1.0" encoding="utf-8"?>
+<p:sld xmlns:a="http://schemas.openxmlformats.org/drawingml/2006/main" xmlns:r="http://schemas.openxmlformats.org/officeDocument/2006/relationships" xmlns:p="http://schemas.openxmlformats.org/presentationml/2006/main">
+  <p:cSld>
+    <p:bg>
+      <p:bgPr>
+        <a:solidFill>
+          <a:srgbClr val="5B9BD5"/>
+        </a:solidFill>
+        <a:effectLst/>
+      </p:bgPr>
+    </p:bg>
+    <p:spTree>
+      <p:nvGrpSpPr>
+        <p:cNvPr id="1" name=""/>
+        <p:cNvGrpSpPr/>
+        <p:nvPr/>
+      </p:nvGrpSpPr>
+      <p:grpSpPr>
+        <a:xfrm>
+          <a:off x="0" y="0"/>
+          <a:ext cx="0" cy="0"/>
+          <a:chOff x="0" y="0"/>
+          <a:chExt cx="0" cy="0"/>
+        </a:xfrm>
+      </p:grpSpPr>
+      <p:pic>
+        <p:nvPicPr>
+          <p:cNvPr id="6" name="Рисунок 5"/>
+          <p:cNvPicPr>
+            <a:picLocks noChangeAspect="1"/>
+          </p:cNvPicPr>
+          <p:nvPr/>
         </p:nvPicPr>
         <p:blipFill>
           <a:blip r:embed="rId2" cstate="print">
@@ -3727,9 +4611,12 @@
         </p:blipFill>
         <p:spPr>
           <a:xfrm>
-            <a:off x="-1" y="-1"/>
-            <a:ext cx="12192001" cy="6863095"/>
+            <a:off x="4551680" y="1783152"/>
+            <a:ext cx="6720840" cy="3168396"/>
           </a:xfrm>
+          <a:prstGeom prst="rect">
+            <a:avLst/>
+          </a:prstGeom>
         </p:spPr>
       </p:pic>
       <p:sp>
@@ -3740,28 +4627,86 @@
         </p:nvSpPr>
         <p:spPr>
           <a:xfrm>
-            <a:off x="1599074" y="918904"/>
-            <a:ext cx="9490840" cy="4131900"/>
+            <a:off x="650818" y="1659190"/>
+            <a:ext cx="3808863" cy="3416320"/>
           </a:xfrm>
           <a:prstGeom prst="rect">
             <a:avLst/>
           </a:prstGeom>
           <a:noFill/>
-          <a:ln>
-            <a:noFill/>
-          </a:ln>
         </p:spPr>
         <p:txBody>
-          <a:bodyPr wrap="square" lIns="91440" tIns="45720" rIns="91440" bIns="45720">
+          <a:bodyPr wrap="none" lIns="91440" tIns="45720" rIns="91440" bIns="45720">
             <a:spAutoFit/>
           </a:bodyPr>
           <a:lstStyle/>
           <a:p>
             <a:pPr algn="ctr"/>
-            <a:endParaRPr lang="ru-RU" sz="5400" dirty="0">
+            <a:r>
+              <a:rPr lang="ru-RU" sz="5400" dirty="0" smtClean="0">
+                <a:ln w="0"/>
+                <a:effectLst>
+                  <a:outerShdw blurRad="38100" dist="19050" dir="2700000" algn="tl" rotWithShape="0">
+                    <a:schemeClr val="dk1">
+                      <a:alpha val="40000"/>
+                    </a:schemeClr>
+                  </a:outerShdw>
+                </a:effectLst>
+              </a:rPr>
+              <a:t>Генерация </a:t>
+            </a:r>
+          </a:p>
+          <a:p>
+            <a:pPr algn="ctr"/>
+            <a:r>
+              <a:rPr lang="ru-RU" sz="5400" dirty="0" smtClean="0">
+                <a:ln w="0"/>
+                <a:effectLst>
+                  <a:outerShdw blurRad="38100" dist="19050" dir="2700000" algn="tl" rotWithShape="0">
+                    <a:schemeClr val="dk1">
+                      <a:alpha val="40000"/>
+                    </a:schemeClr>
+                  </a:outerShdw>
+                </a:effectLst>
+              </a:rPr>
+              <a:t>билетов </a:t>
+            </a:r>
+          </a:p>
+          <a:p>
+            <a:pPr algn="ctr"/>
+            <a:r>
+              <a:rPr lang="ru-RU" sz="5400" dirty="0" smtClean="0">
+                <a:ln w="0"/>
+                <a:effectLst>
+                  <a:outerShdw blurRad="38100" dist="19050" dir="2700000" algn="tl" rotWithShape="0">
+                    <a:schemeClr val="dk1">
+                      <a:alpha val="40000"/>
+                    </a:schemeClr>
+                  </a:outerShdw>
+                </a:effectLst>
+              </a:rPr>
+              <a:t>сразу после </a:t>
+            </a:r>
+          </a:p>
+          <a:p>
+            <a:pPr algn="ctr"/>
+            <a:r>
+              <a:rPr lang="ru-RU" sz="5400" dirty="0" smtClean="0">
+                <a:ln w="0"/>
+                <a:effectLst>
+                  <a:outerShdw blurRad="38100" dist="19050" dir="2700000" algn="tl" rotWithShape="0">
+                    <a:schemeClr val="dk1">
+                      <a:alpha val="40000"/>
+                    </a:schemeClr>
+                  </a:outerShdw>
+                </a:effectLst>
+              </a:rPr>
+              <a:t>покупки</a:t>
+            </a:r>
+            <a:endParaRPr lang="ru-RU" sz="5400" b="0" cap="none" spc="0" dirty="0">
               <a:ln w="0"/>
               <a:solidFill>
-                <a:schemeClr val="bg1"/>
+                <a:schemeClr val="tx1"/>
               </a:solidFill>
               <a:effectLst>
                 <a:outerShdw blurRad="38100" dist="19050" dir="2700000" algn="tl" rotWithShape="0">
@@ -3772,196 +4717,12 @@
               </a:effectLst>
             </a:endParaRPr>
           </a:p>
-          <a:p>
-            <a:pPr algn="ctr"/>
-            <a:r>
-              <a:rPr lang="ru-RU" sz="5400" b="0" cap="none" spc="0" dirty="0" smtClean="0">
-                <a:ln w="0"/>
-                <a:solidFill>
-                  <a:schemeClr val="bg1"/>
-                </a:solidFill>
-                <a:effectLst>
-                  <a:outerShdw blurRad="38100" dist="19050" dir="2700000" algn="tl" rotWithShape="0">
-                    <a:schemeClr val="dk1">
-                      <a:alpha val="40000"/>
-                    </a:schemeClr>
-                  </a:outerShdw>
-                </a:effectLst>
-              </a:rPr>
-              <a:t>Спасибо!</a:t>
-            </a:r>
-          </a:p>
-          <a:p>
-            <a:pPr algn="ctr"/>
-            <a:endParaRPr lang="ru-RU" sz="1050" b="0" cap="none" spc="0" dirty="0" smtClean="0">
-              <a:ln w="0"/>
-              <a:solidFill>
-                <a:schemeClr val="bg1"/>
-              </a:solidFill>
-              <a:effectLst>
-                <a:outerShdw blurRad="38100" dist="19050" dir="2700000" algn="tl" rotWithShape="0">
-                  <a:schemeClr val="dk1">
-                    <a:alpha val="40000"/>
-                  </a:schemeClr>
-                </a:outerShdw>
-              </a:effectLst>
-            </a:endParaRPr>
-          </a:p>
-          <a:p>
-            <a:pPr algn="ctr"/>
-            <a:r>
-              <a:rPr lang="ru-RU" dirty="0" smtClean="0">
-                <a:solidFill>
-                  <a:schemeClr val="bg1"/>
-                </a:solidFill>
-              </a:rPr>
-              <a:t>Узнать больше о рекламных продуктах Яндекса можно </a:t>
-            </a:r>
-          </a:p>
-          <a:p>
-            <a:pPr algn="ctr"/>
-            <a:r>
-              <a:rPr lang="ru-RU" dirty="0" smtClean="0">
-                <a:solidFill>
-                  <a:schemeClr val="bg1"/>
-                </a:solidFill>
-                <a:hlinkClick r:id="rId3"/>
-              </a:rPr>
-              <a:t>на сайте рекламных технологий </a:t>
-            </a:r>
-            <a:r>
-              <a:rPr lang="ru-RU" dirty="0" smtClean="0">
-                <a:solidFill>
-                  <a:schemeClr val="bg1"/>
-                </a:solidFill>
-              </a:rPr>
-              <a:t>или в разделе «</a:t>
-            </a:r>
-            <a:r>
-              <a:rPr lang="ru-RU" dirty="0" smtClean="0">
-                <a:solidFill>
-                  <a:schemeClr val="bg1"/>
-                </a:solidFill>
-                <a:hlinkClick r:id="rId4"/>
-              </a:rPr>
-              <a:t>Помощь</a:t>
-            </a:r>
-            <a:r>
-              <a:rPr lang="ru-RU" dirty="0" smtClean="0">
-                <a:solidFill>
-                  <a:schemeClr val="bg1"/>
-                </a:solidFill>
-              </a:rPr>
-              <a:t>». </a:t>
-            </a:r>
-          </a:p>
-          <a:p>
-            <a:pPr algn="ctr"/>
-            <a:endParaRPr lang="ru-RU" dirty="0" smtClean="0">
-              <a:solidFill>
-                <a:schemeClr val="bg1"/>
-              </a:solidFill>
-            </a:endParaRPr>
-          </a:p>
-          <a:p>
-            <a:pPr algn="ctr"/>
-            <a:r>
-              <a:rPr lang="ru-RU" dirty="0" smtClean="0">
-                <a:solidFill>
-                  <a:schemeClr val="bg1"/>
-                </a:solidFill>
-              </a:rPr>
-              <a:t>Если у вас остались вопросы, свяжитесь с вашим менеджером </a:t>
-            </a:r>
-          </a:p>
-          <a:p>
-            <a:pPr algn="ctr"/>
-            <a:r>
-              <a:rPr lang="ru-RU" dirty="0" smtClean="0">
-                <a:solidFill>
-                  <a:schemeClr val="bg1"/>
-                </a:solidFill>
-              </a:rPr>
-              <a:t>или позвоните в отдел клиентского сервиса: 8 (800) 234 24 80.</a:t>
-            </a:r>
-            <a:endParaRPr lang="ru-RU" b="0" cap="none" spc="0" dirty="0" smtClean="0">
-              <a:ln w="0"/>
-              <a:solidFill>
-                <a:schemeClr val="bg1"/>
-              </a:solidFill>
-              <a:effectLst>
-                <a:outerShdw blurRad="38100" dist="19050" dir="2700000" algn="tl" rotWithShape="0">
-                  <a:schemeClr val="dk1">
-                    <a:alpha val="40000"/>
-                  </a:schemeClr>
-                </a:outerShdw>
-              </a:effectLst>
-            </a:endParaRPr>
-          </a:p>
-          <a:p>
-            <a:pPr algn="ctr"/>
-            <a:endParaRPr lang="ru-RU" sz="5400" b="1" cap="none" spc="0" dirty="0" smtClean="0">
-              <a:ln w="0"/>
-              <a:solidFill>
-                <a:schemeClr val="bg1"/>
-              </a:solidFill>
-              <a:effectLst>
-                <a:outerShdw blurRad="38100" dist="19050" dir="2700000" algn="tl" rotWithShape="0">
-                  <a:schemeClr val="dk1">
-                    <a:alpha val="40000"/>
-                  </a:schemeClr>
-                </a:outerShdw>
-              </a:effectLst>
-            </a:endParaRPr>
-          </a:p>
-        </p:txBody>
-      </p:sp>
-      <p:sp>
-        <p:nvSpPr>
-          <p:cNvPr id="8" name="Прямоугольник 7"/>
-          <p:cNvSpPr/>
-          <p:nvPr/>
-        </p:nvSpPr>
-        <p:spPr>
-          <a:xfrm>
-            <a:off x="2148615" y="3245028"/>
-            <a:ext cx="8720583" cy="276999"/>
-          </a:xfrm>
-          <a:prstGeom prst="rect">
-            <a:avLst/>
-          </a:prstGeom>
-          <a:noFill/>
-          <a:ln>
-            <a:noFill/>
-          </a:ln>
-        </p:spPr>
-        <p:txBody>
-          <a:bodyPr wrap="square" lIns="91440" tIns="45720" rIns="91440" bIns="45720">
-            <a:spAutoFit/>
-          </a:bodyPr>
-          <a:lstStyle/>
-          <a:p>
-            <a:pPr algn="ctr"/>
-            <a:endParaRPr lang="ru-RU" sz="1200" b="0" cap="none" spc="0" dirty="0">
-              <a:ln w="0"/>
-              <a:solidFill>
-                <a:schemeClr val="bg1"/>
-              </a:solidFill>
-              <a:effectLst>
-                <a:outerShdw blurRad="38100" dist="19050" dir="2700000" algn="tl" rotWithShape="0">
-                  <a:schemeClr val="dk1">
-                    <a:alpha val="40000"/>
-                  </a:schemeClr>
-                </a:outerShdw>
-              </a:effectLst>
-            </a:endParaRPr>
-          </a:p>
         </p:txBody>
       </p:sp>
     </p:spTree>
     <p:extLst>
       <p:ext uri="{BB962C8B-B14F-4D97-AF65-F5344CB8AC3E}">
-        <p14:creationId xmlns:p14="http://schemas.microsoft.com/office/powerpoint/2010/main" val="2970255937"/>
+        <p14:creationId xmlns:p14="http://schemas.microsoft.com/office/powerpoint/2010/main" val="3619481480"/>
       </p:ext>
     </p:extLst>
   </p:cSld>

--- a/Презентация Microsoft PowerPoint.pptx
+++ b/Презентация Microsoft PowerPoint.pptx
@@ -8,14 +8,13 @@
     <p:sldId id="262" r:id="rId2"/>
     <p:sldId id="256" r:id="rId3"/>
     <p:sldId id="264" r:id="rId4"/>
-    <p:sldId id="265" r:id="rId5"/>
-    <p:sldId id="266" r:id="rId6"/>
-    <p:sldId id="259" r:id="rId7"/>
-    <p:sldId id="261" r:id="rId8"/>
-    <p:sldId id="260" r:id="rId9"/>
-    <p:sldId id="257" r:id="rId10"/>
-    <p:sldId id="258" r:id="rId11"/>
-    <p:sldId id="263" r:id="rId12"/>
+    <p:sldId id="259" r:id="rId5"/>
+    <p:sldId id="261" r:id="rId6"/>
+    <p:sldId id="265" r:id="rId7"/>
+    <p:sldId id="257" r:id="rId8"/>
+    <p:sldId id="258" r:id="rId9"/>
+    <p:sldId id="260" r:id="rId10"/>
+    <p:sldId id="263" r:id="rId11"/>
   </p:sldIdLst>
   <p:sldSz cx="12192000" cy="6858000"/>
   <p:notesSz cx="6858000" cy="9144000"/>
@@ -3210,174 +3209,6 @@
 <file path=ppt/slides/slide10.xml><?xml version="1.0" encoding="utf-8"?>
 <p:sld xmlns:a="http://schemas.openxmlformats.org/drawingml/2006/main" xmlns:r="http://schemas.openxmlformats.org/officeDocument/2006/relationships" xmlns:p="http://schemas.openxmlformats.org/presentationml/2006/main">
   <p:cSld>
-    <p:bg>
-      <p:bgPr>
-        <a:solidFill>
-          <a:srgbClr val="5B9BD5"/>
-        </a:solidFill>
-        <a:effectLst/>
-      </p:bgPr>
-    </p:bg>
-    <p:spTree>
-      <p:nvGrpSpPr>
-        <p:cNvPr id="1" name=""/>
-        <p:cNvGrpSpPr/>
-        <p:nvPr/>
-      </p:nvGrpSpPr>
-      <p:grpSpPr>
-        <a:xfrm>
-          <a:off x="0" y="0"/>
-          <a:ext cx="0" cy="0"/>
-          <a:chOff x="0" y="0"/>
-          <a:chExt cx="0" cy="0"/>
-        </a:xfrm>
-      </p:grpSpPr>
-      <p:pic>
-        <p:nvPicPr>
-          <p:cNvPr id="4" name="Рисунок 3"/>
-          <p:cNvPicPr>
-            <a:picLocks noChangeAspect="1"/>
-          </p:cNvPicPr>
-          <p:nvPr/>
-        </p:nvPicPr>
-        <p:blipFill>
-          <a:blip r:embed="rId2"/>
-          <a:stretch>
-            <a:fillRect/>
-          </a:stretch>
-        </p:blipFill>
-        <p:spPr>
-          <a:xfrm>
-            <a:off x="6510866" y="1207029"/>
-            <a:ext cx="4787948" cy="4304317"/>
-          </a:xfrm>
-          <a:prstGeom prst="rect">
-            <a:avLst/>
-          </a:prstGeom>
-        </p:spPr>
-      </p:pic>
-      <p:sp>
-        <p:nvSpPr>
-          <p:cNvPr id="5" name="Прямоугольник 4"/>
-          <p:cNvSpPr/>
-          <p:nvPr/>
-        </p:nvSpPr>
-        <p:spPr>
-          <a:xfrm>
-            <a:off x="1015243" y="1651027"/>
-            <a:ext cx="4756430" cy="3416320"/>
-          </a:xfrm>
-          <a:prstGeom prst="rect">
-            <a:avLst/>
-          </a:prstGeom>
-          <a:noFill/>
-        </p:spPr>
-        <p:txBody>
-          <a:bodyPr wrap="none" lIns="91440" tIns="45720" rIns="91440" bIns="45720">
-            <a:spAutoFit/>
-          </a:bodyPr>
-          <a:lstStyle/>
-          <a:p>
-            <a:pPr algn="ctr"/>
-            <a:r>
-              <a:rPr lang="ru-RU" sz="5400" dirty="0" smtClean="0">
-                <a:ln w="0"/>
-                <a:solidFill>
-                  <a:sysClr val="windowText" lastClr="000000"/>
-                </a:solidFill>
-                <a:effectLst>
-                  <a:outerShdw blurRad="38100" dist="19050" dir="2700000" algn="tl" rotWithShape="0">
-                    <a:schemeClr val="dk1">
-                      <a:alpha val="40000"/>
-                    </a:schemeClr>
-                  </a:outerShdw>
-                </a:effectLst>
-              </a:rPr>
-              <a:t>Правильный </a:t>
-            </a:r>
-          </a:p>
-          <a:p>
-            <a:pPr algn="ctr"/>
-            <a:r>
-              <a:rPr lang="ru-RU" sz="5400" dirty="0" smtClean="0">
-                <a:ln w="0"/>
-                <a:solidFill>
-                  <a:sysClr val="windowText" lastClr="000000"/>
-                </a:solidFill>
-                <a:effectLst>
-                  <a:outerShdw blurRad="38100" dist="19050" dir="2700000" algn="tl" rotWithShape="0">
-                    <a:schemeClr val="dk1">
-                      <a:alpha val="40000"/>
-                    </a:schemeClr>
-                  </a:outerShdw>
-                </a:effectLst>
-              </a:rPr>
-              <a:t>инструмент </a:t>
-            </a:r>
-          </a:p>
-          <a:p>
-            <a:pPr algn="ctr"/>
-            <a:r>
-              <a:rPr lang="ru-RU" sz="5400" dirty="0" smtClean="0">
-                <a:ln w="0"/>
-                <a:solidFill>
-                  <a:sysClr val="windowText" lastClr="000000"/>
-                </a:solidFill>
-                <a:effectLst>
-                  <a:outerShdw blurRad="38100" dist="19050" dir="2700000" algn="tl" rotWithShape="0">
-                    <a:schemeClr val="dk1">
-                      <a:alpha val="40000"/>
-                    </a:schemeClr>
-                  </a:outerShdw>
-                </a:effectLst>
-              </a:rPr>
-              <a:t>для аналитики </a:t>
-            </a:r>
-          </a:p>
-          <a:p>
-            <a:pPr algn="ctr"/>
-            <a:r>
-              <a:rPr lang="ru-RU" sz="5400" dirty="0" smtClean="0">
-                <a:ln w="0"/>
-                <a:solidFill>
-                  <a:sysClr val="windowText" lastClr="000000"/>
-                </a:solidFill>
-                <a:effectLst>
-                  <a:outerShdw blurRad="38100" dist="19050" dir="2700000" algn="tl" rotWithShape="0">
-                    <a:schemeClr val="dk1">
-                      <a:alpha val="40000"/>
-                    </a:schemeClr>
-                  </a:outerShdw>
-                </a:effectLst>
-              </a:rPr>
-              <a:t>залог прибыли.</a:t>
-            </a:r>
-          </a:p>
-        </p:txBody>
-      </p:sp>
-    </p:spTree>
-    <p:extLst>
-      <p:ext uri="{BB962C8B-B14F-4D97-AF65-F5344CB8AC3E}">
-        <p14:creationId xmlns:p14="http://schemas.microsoft.com/office/powerpoint/2010/main" val="720761104"/>
-      </p:ext>
-    </p:extLst>
-  </p:cSld>
-  <p:clrMapOvr>
-    <a:masterClrMapping/>
-  </p:clrMapOvr>
-  <p:timing>
-    <p:tnLst>
-      <p:par>
-        <p:cTn id="1" dur="indefinite" restart="never" nodeType="tmRoot"/>
-      </p:par>
-    </p:tnLst>
-  </p:timing>
-</p:sld>
-</file>
-
-<file path=ppt/slides/slide11.xml><?xml version="1.0" encoding="utf-8"?>
-<p:sld xmlns:a="http://schemas.openxmlformats.org/drawingml/2006/main" xmlns:r="http://schemas.openxmlformats.org/officeDocument/2006/relationships" xmlns:p="http://schemas.openxmlformats.org/presentationml/2006/main">
-  <p:cSld>
     <p:spTree>
       <p:nvGrpSpPr>
         <p:cNvPr id="1" name=""/>
@@ -3713,14 +3544,14 @@
       </p:grpSpPr>
       <p:sp>
         <p:nvSpPr>
-          <p:cNvPr id="5" name="Прямоугольник 4"/>
+          <p:cNvPr id="4" name="Прямоугольник 3"/>
           <p:cNvSpPr/>
           <p:nvPr/>
         </p:nvSpPr>
         <p:spPr>
           <a:xfrm>
-            <a:off x="675005" y="1991975"/>
-            <a:ext cx="6686574" cy="3416320"/>
+            <a:off x="782804" y="2099430"/>
+            <a:ext cx="5992410" cy="2585323"/>
           </a:xfrm>
           <a:prstGeom prst="rect">
             <a:avLst/>
@@ -3745,7 +3576,7 @@
                   </a:outerShdw>
                 </a:effectLst>
               </a:rPr>
-              <a:t>Для чего необходима </a:t>
+              <a:t>Удобная аналитика </a:t>
             </a:r>
           </a:p>
           <a:p>
@@ -3761,7 +3592,7 @@
                   </a:outerShdw>
                 </a:effectLst>
               </a:rPr>
-              <a:t>единая система </a:t>
+              <a:t>и продажа </a:t>
             </a:r>
           </a:p>
           <a:p>
@@ -3777,43 +3608,14 @@
                   </a:outerShdw>
                 </a:effectLst>
               </a:rPr>
-              <a:t>продажи и аналитики</a:t>
-            </a:r>
-          </a:p>
-          <a:p>
-            <a:pPr algn="ctr"/>
-            <a:r>
-              <a:rPr lang="ru-RU" sz="5400" dirty="0" smtClean="0">
-                <a:ln w="0"/>
-                <a:effectLst>
-                  <a:outerShdw blurRad="38100" dist="19050" dir="2700000" algn="tl" rotWithShape="0">
-                    <a:schemeClr val="dk1">
-                      <a:alpha val="40000"/>
-                    </a:schemeClr>
-                  </a:outerShdw>
-                </a:effectLst>
-              </a:rPr>
-              <a:t> </a:t>
-            </a:r>
-            <a:endParaRPr lang="ru-RU" sz="5400" b="0" cap="none" spc="0" dirty="0">
-              <a:ln w="0"/>
-              <a:solidFill>
-                <a:schemeClr val="tx1"/>
-              </a:solidFill>
-              <a:effectLst>
-                <a:outerShdw blurRad="38100" dist="19050" dir="2700000" algn="tl" rotWithShape="0">
-                  <a:schemeClr val="dk1">
-                    <a:alpha val="40000"/>
-                  </a:schemeClr>
-                </a:outerShdw>
-              </a:effectLst>
-            </a:endParaRPr>
+              <a:t>залог успеха</a:t>
+            </a:r>
           </a:p>
         </p:txBody>
       </p:sp>
       <p:pic>
         <p:nvPicPr>
-          <p:cNvPr id="7" name="Рисунок 6"/>
+          <p:cNvPr id="5" name="Рисунок 4"/>
           <p:cNvPicPr>
             <a:picLocks noChangeAspect="1"/>
           </p:cNvPicPr>
@@ -3833,8 +3635,8 @@
         </p:blipFill>
         <p:spPr>
           <a:xfrm>
-            <a:off x="3802986" y="0"/>
-            <a:ext cx="10278774" cy="6858000"/>
+            <a:off x="3467197" y="0"/>
+            <a:ext cx="10278775" cy="6858000"/>
           </a:xfrm>
           <a:prstGeom prst="rect">
             <a:avLst/>
@@ -3886,52 +3688,10 @@
           <a:chExt cx="0" cy="0"/>
         </a:xfrm>
       </p:grpSpPr>
-      <p:sp>
-        <p:nvSpPr>
-          <p:cNvPr id="5" name="Прямоугольник 4"/>
-          <p:cNvSpPr/>
-          <p:nvPr/>
-        </p:nvSpPr>
-        <p:spPr>
-          <a:xfrm>
-            <a:off x="2052136" y="2967335"/>
-            <a:ext cx="8087728" cy="923330"/>
-          </a:xfrm>
-          <a:prstGeom prst="rect">
-            <a:avLst/>
-          </a:prstGeom>
-          <a:noFill/>
-        </p:spPr>
-        <p:txBody>
-          <a:bodyPr wrap="none" lIns="91440" tIns="45720" rIns="91440" bIns="45720">
-            <a:spAutoFit/>
-          </a:bodyPr>
-          <a:lstStyle/>
-          <a:p>
-            <a:pPr algn="ctr"/>
-            <a:r>
-              <a:rPr lang="ru-RU" sz="5400" b="0" cap="none" spc="0" dirty="0">
-                <a:ln w="0"/>
-                <a:solidFill>
-                  <a:schemeClr val="tx1"/>
-                </a:solidFill>
-                <a:effectLst>
-                  <a:outerShdw blurRad="38100" dist="19050" dir="2700000" algn="tl" rotWithShape="0">
-                    <a:schemeClr val="dk1">
-                      <a:alpha val="40000"/>
-                    </a:schemeClr>
-                  </a:outerShdw>
-                </a:effectLst>
-              </a:rPr>
-              <a:t>Поместите здесь ваш текст</a:t>
-            </a:r>
-          </a:p>
-        </p:txBody>
-      </p:sp>
     </p:spTree>
     <p:extLst>
       <p:ext uri="{BB962C8B-B14F-4D97-AF65-F5344CB8AC3E}">
-        <p14:creationId xmlns:p14="http://schemas.microsoft.com/office/powerpoint/2010/main" val="1059873454"/>
+        <p14:creationId xmlns:p14="http://schemas.microsoft.com/office/powerpoint/2010/main" val="1343200111"/>
       </p:ext>
     </p:extLst>
   </p:cSld>
@@ -3954,7 +3714,7 @@
     <p:bg>
       <p:bgPr>
         <a:solidFill>
-          <a:srgbClr val="5B9BD5"/>
+          <a:srgbClr val="FFCC00"/>
         </a:solidFill>
         <a:effectLst/>
       </p:bgPr>
@@ -3973,6 +3733,35 @@
           <a:chExt cx="0" cy="0"/>
         </a:xfrm>
       </p:grpSpPr>
+      <p:pic>
+        <p:nvPicPr>
+          <p:cNvPr id="4" name="Объект 3"/>
+          <p:cNvPicPr>
+            <a:picLocks noGrp="1" noChangeAspect="1"/>
+          </p:cNvPicPr>
+          <p:nvPr>
+            <p:ph idx="1"/>
+          </p:nvPr>
+        </p:nvPicPr>
+        <p:blipFill>
+          <a:blip r:embed="rId2">
+            <a:extLst>
+              <a:ext uri="{28A0092B-C50C-407E-A947-70E740481C1C}">
+                <a14:useLocalDpi xmlns:a14="http://schemas.microsoft.com/office/drawing/2010/main" val="0"/>
+              </a:ext>
+            </a:extLst>
+          </a:blip>
+          <a:stretch>
+            <a:fillRect/>
+          </a:stretch>
+        </p:blipFill>
+        <p:spPr>
+          <a:xfrm>
+            <a:off x="3759305" y="0"/>
+            <a:ext cx="10297055" cy="6858000"/>
+          </a:xfrm>
+        </p:spPr>
+      </p:pic>
       <p:sp>
         <p:nvSpPr>
           <p:cNvPr id="5" name="Прямоугольник 4"/>
@@ -3981,8 +3770,8 @@
         </p:nvSpPr>
         <p:spPr>
           <a:xfrm>
-            <a:off x="2052136" y="2967335"/>
-            <a:ext cx="8087728" cy="923330"/>
+            <a:off x="1058743" y="2551837"/>
+            <a:ext cx="6132448" cy="1754326"/>
           </a:xfrm>
           <a:prstGeom prst="rect">
             <a:avLst/>
@@ -3997,7 +3786,7 @@
           <a:p>
             <a:pPr algn="ctr"/>
             <a:r>
-              <a:rPr lang="ru-RU" sz="5400" b="0" cap="none" spc="0" dirty="0">
+              <a:rPr lang="ru-RU" sz="5400" b="0" cap="none" spc="0" dirty="0" smtClean="0">
                 <a:ln w="0"/>
                 <a:solidFill>
                   <a:schemeClr val="tx1"/>
@@ -4010,15 +3799,76 @@
                   </a:outerShdw>
                 </a:effectLst>
               </a:rPr>
-              <a:t>Поместите здесь ваш текст</a:t>
-            </a:r>
+              <a:t>Какие инструменты </a:t>
+            </a:r>
+            <a:endParaRPr lang="en-US" sz="5400" b="0" cap="none" spc="0" dirty="0" smtClean="0">
+              <a:ln w="0"/>
+              <a:solidFill>
+                <a:schemeClr val="tx1"/>
+              </a:solidFill>
+              <a:effectLst>
+                <a:outerShdw blurRad="38100" dist="19050" dir="2700000" algn="tl" rotWithShape="0">
+                  <a:schemeClr val="dk1">
+                    <a:alpha val="40000"/>
+                  </a:schemeClr>
+                </a:outerShdw>
+              </a:effectLst>
+            </a:endParaRPr>
+          </a:p>
+          <a:p>
+            <a:pPr algn="ctr"/>
+            <a:r>
+              <a:rPr lang="ru-RU" sz="5400" b="0" cap="none" spc="0" dirty="0" smtClean="0">
+                <a:ln w="0"/>
+                <a:solidFill>
+                  <a:schemeClr val="tx1"/>
+                </a:solidFill>
+                <a:effectLst>
+                  <a:outerShdw blurRad="38100" dist="19050" dir="2700000" algn="tl" rotWithShape="0">
+                    <a:schemeClr val="dk1">
+                      <a:alpha val="40000"/>
+                    </a:schemeClr>
+                  </a:outerShdw>
+                </a:effectLst>
+              </a:rPr>
+              <a:t>мы предлагаем</a:t>
+            </a:r>
+            <a:r>
+              <a:rPr lang="en-US" sz="5400" b="0" cap="none" spc="0" dirty="0" smtClean="0">
+                <a:ln w="0"/>
+                <a:solidFill>
+                  <a:schemeClr val="tx1"/>
+                </a:solidFill>
+                <a:effectLst>
+                  <a:outerShdw blurRad="38100" dist="19050" dir="2700000" algn="tl" rotWithShape="0">
+                    <a:schemeClr val="dk1">
+                      <a:alpha val="40000"/>
+                    </a:schemeClr>
+                  </a:outerShdw>
+                </a:effectLst>
+              </a:rPr>
+              <a:t>?</a:t>
+            </a:r>
+            <a:endParaRPr lang="ru-RU" sz="5400" b="0" cap="none" spc="0" dirty="0">
+              <a:ln w="0"/>
+              <a:solidFill>
+                <a:schemeClr val="tx1"/>
+              </a:solidFill>
+              <a:effectLst>
+                <a:outerShdw blurRad="38100" dist="19050" dir="2700000" algn="tl" rotWithShape="0">
+                  <a:schemeClr val="dk1">
+                    <a:alpha val="40000"/>
+                  </a:schemeClr>
+                </a:outerShdw>
+              </a:effectLst>
+            </a:endParaRPr>
           </a:p>
         </p:txBody>
       </p:sp>
     </p:spTree>
     <p:extLst>
       <p:ext uri="{BB962C8B-B14F-4D97-AF65-F5344CB8AC3E}">
-        <p14:creationId xmlns:p14="http://schemas.microsoft.com/office/powerpoint/2010/main" val="1272710205"/>
+        <p14:creationId xmlns:p14="http://schemas.microsoft.com/office/powerpoint/2010/main" val="2823117238"/>
       </p:ext>
     </p:extLst>
   </p:cSld>
@@ -4060,6 +3910,30 @@
           <a:chExt cx="0" cy="0"/>
         </a:xfrm>
       </p:grpSpPr>
+      <p:pic>
+        <p:nvPicPr>
+          <p:cNvPr id="4" name="Рисунок 3"/>
+          <p:cNvPicPr>
+            <a:picLocks noChangeAspect="1"/>
+          </p:cNvPicPr>
+          <p:nvPr/>
+        </p:nvPicPr>
+        <p:blipFill>
+          <a:blip r:embed="rId2"/>
+          <a:stretch>
+            <a:fillRect/>
+          </a:stretch>
+        </p:blipFill>
+        <p:spPr>
+          <a:xfrm>
+            <a:off x="7316674" y="1243648"/>
+            <a:ext cx="3458006" cy="4401819"/>
+          </a:xfrm>
+          <a:prstGeom prst="rect">
+            <a:avLst/>
+          </a:prstGeom>
+        </p:spPr>
+      </p:pic>
       <p:sp>
         <p:nvSpPr>
           <p:cNvPr id="5" name="Прямоугольник 4"/>
@@ -4068,8 +3942,8 @@
         </p:nvSpPr>
         <p:spPr>
           <a:xfrm>
-            <a:off x="2052136" y="2967335"/>
-            <a:ext cx="8087728" cy="923330"/>
+            <a:off x="194083" y="2151895"/>
+            <a:ext cx="7122591" cy="2585323"/>
           </a:xfrm>
           <a:prstGeom prst="rect">
             <a:avLst/>
@@ -4084,7 +3958,7 @@
           <a:p>
             <a:pPr algn="ctr"/>
             <a:r>
-              <a:rPr lang="ru-RU" sz="5400" b="0" cap="none" spc="0" dirty="0">
+              <a:rPr lang="ru-RU" sz="5400" b="0" cap="none" spc="0" dirty="0" smtClean="0">
                 <a:ln w="0"/>
                 <a:solidFill>
                   <a:schemeClr val="tx1"/>
@@ -4097,15 +3971,73 @@
                   </a:outerShdw>
                 </a:effectLst>
               </a:rPr>
-              <a:t>Поместите здесь ваш текст</a:t>
-            </a:r>
+              <a:t>Удобная рабо</a:t>
+            </a:r>
+            <a:r>
+              <a:rPr lang="ru-RU" sz="5400" dirty="0" smtClean="0">
+                <a:ln w="0"/>
+                <a:effectLst>
+                  <a:outerShdw blurRad="38100" dist="19050" dir="2700000" algn="tl" rotWithShape="0">
+                    <a:schemeClr val="dk1">
+                      <a:alpha val="40000"/>
+                    </a:schemeClr>
+                  </a:outerShdw>
+                </a:effectLst>
+              </a:rPr>
+              <a:t>та </a:t>
+            </a:r>
+          </a:p>
+          <a:p>
+            <a:pPr algn="ctr"/>
+            <a:r>
+              <a:rPr lang="ru-RU" sz="5400" dirty="0" smtClean="0">
+                <a:ln w="0"/>
+                <a:effectLst>
+                  <a:outerShdw blurRad="38100" dist="19050" dir="2700000" algn="tl" rotWithShape="0">
+                    <a:schemeClr val="dk1">
+                      <a:alpha val="40000"/>
+                    </a:schemeClr>
+                  </a:outerShdw>
+                </a:effectLst>
+              </a:rPr>
+              <a:t>как с созданной базой, </a:t>
+            </a:r>
+          </a:p>
+          <a:p>
+            <a:pPr algn="ctr"/>
+            <a:r>
+              <a:rPr lang="ru-RU" sz="5400" dirty="0" smtClean="0">
+                <a:ln w="0"/>
+                <a:effectLst>
+                  <a:outerShdw blurRad="38100" dist="19050" dir="2700000" algn="tl" rotWithShape="0">
+                    <a:schemeClr val="dk1">
+                      <a:alpha val="40000"/>
+                    </a:schemeClr>
+                  </a:outerShdw>
+                </a:effectLst>
+              </a:rPr>
+              <a:t>так и создание новой</a:t>
+            </a:r>
+            <a:endParaRPr lang="ru-RU" sz="5400" b="0" cap="none" spc="0" dirty="0">
+              <a:ln w="0"/>
+              <a:solidFill>
+                <a:schemeClr val="tx1"/>
+              </a:solidFill>
+              <a:effectLst>
+                <a:outerShdw blurRad="38100" dist="19050" dir="2700000" algn="tl" rotWithShape="0">
+                  <a:schemeClr val="dk1">
+                    <a:alpha val="40000"/>
+                  </a:schemeClr>
+                </a:outerShdw>
+              </a:effectLst>
+            </a:endParaRPr>
           </a:p>
         </p:txBody>
       </p:sp>
     </p:spTree>
     <p:extLst>
       <p:ext uri="{BB962C8B-B14F-4D97-AF65-F5344CB8AC3E}">
-        <p14:creationId xmlns:p14="http://schemas.microsoft.com/office/powerpoint/2010/main" val="1124807757"/>
+        <p14:creationId xmlns:p14="http://schemas.microsoft.com/office/powerpoint/2010/main" val="3244733689"/>
       </p:ext>
     </p:extLst>
   </p:cSld>
@@ -4128,7 +4060,7 @@
     <p:bg>
       <p:bgPr>
         <a:solidFill>
-          <a:srgbClr val="FFCC00"/>
+          <a:srgbClr val="5B9BD5"/>
         </a:solidFill>
         <a:effectLst/>
       </p:bgPr>
@@ -4147,16 +4079,40 @@
           <a:chExt cx="0" cy="0"/>
         </a:xfrm>
       </p:grpSpPr>
-      <p:sp>
-        <p:nvSpPr>
-          <p:cNvPr id="4" name="Прямоугольник 3"/>
+      <p:pic>
+        <p:nvPicPr>
+          <p:cNvPr id="2" name="Рисунок 1"/>
+          <p:cNvPicPr>
+            <a:picLocks noChangeAspect="1"/>
+          </p:cNvPicPr>
+          <p:nvPr/>
+        </p:nvPicPr>
+        <p:blipFill>
+          <a:blip r:embed="rId2"/>
+          <a:stretch>
+            <a:fillRect/>
+          </a:stretch>
+        </p:blipFill>
+        <p:spPr>
+          <a:xfrm>
+            <a:off x="6614159" y="971671"/>
+            <a:ext cx="4809147" cy="4804289"/>
+          </a:xfrm>
+          <a:prstGeom prst="rect">
+            <a:avLst/>
+          </a:prstGeom>
+        </p:spPr>
+      </p:pic>
+      <p:sp>
+        <p:nvSpPr>
+          <p:cNvPr id="3" name="Прямоугольник 2"/>
           <p:cNvSpPr/>
           <p:nvPr/>
         </p:nvSpPr>
         <p:spPr>
           <a:xfrm>
-            <a:off x="2052136" y="2967335"/>
-            <a:ext cx="8087728" cy="923330"/>
+            <a:off x="183837" y="2496652"/>
+            <a:ext cx="6500497" cy="1754326"/>
           </a:xfrm>
           <a:prstGeom prst="rect">
             <a:avLst/>
@@ -4171,7 +4127,7 @@
           <a:p>
             <a:pPr algn="ctr"/>
             <a:r>
-              <a:rPr lang="ru-RU" sz="5400" b="0" cap="none" spc="0" dirty="0">
+              <a:rPr lang="ru-RU" sz="5400" b="0" cap="none" spc="0" dirty="0" smtClean="0">
                 <a:ln w="0"/>
                 <a:solidFill>
                   <a:schemeClr val="tx1"/>
@@ -4184,15 +4140,57 @@
                   </a:outerShdw>
                 </a:effectLst>
               </a:rPr>
-              <a:t>Поместите здесь ваш текст</a:t>
-            </a:r>
+              <a:t>Администрирование</a:t>
+            </a:r>
+            <a:r>
+              <a:rPr lang="ru-RU" sz="5400" dirty="0" smtClean="0">
+                <a:ln w="0"/>
+                <a:effectLst>
+                  <a:outerShdw blurRad="38100" dist="19050" dir="2700000" algn="tl" rotWithShape="0">
+                    <a:schemeClr val="dk1">
+                      <a:alpha val="40000"/>
+                    </a:schemeClr>
+                  </a:outerShdw>
+                </a:effectLst>
+              </a:rPr>
+              <a:t> </a:t>
+            </a:r>
+          </a:p>
+          <a:p>
+            <a:pPr algn="ctr"/>
+            <a:r>
+              <a:rPr lang="ru-RU" sz="5400" dirty="0" smtClean="0">
+                <a:ln w="0"/>
+                <a:effectLst>
+                  <a:outerShdw blurRad="38100" dist="19050" dir="2700000" algn="tl" rotWithShape="0">
+                    <a:schemeClr val="dk1">
+                      <a:alpha val="40000"/>
+                    </a:schemeClr>
+                  </a:outerShdw>
+                </a:effectLst>
+              </a:rPr>
+              <a:t>всей системы</a:t>
+            </a:r>
+            <a:endParaRPr lang="ru-RU" sz="5400" b="0" cap="none" spc="0" dirty="0" smtClean="0">
+              <a:ln w="0"/>
+              <a:solidFill>
+                <a:schemeClr val="tx1"/>
+              </a:solidFill>
+              <a:effectLst>
+                <a:outerShdw blurRad="38100" dist="19050" dir="2700000" algn="tl" rotWithShape="0">
+                  <a:schemeClr val="dk1">
+                    <a:alpha val="40000"/>
+                  </a:schemeClr>
+                </a:outerShdw>
+              </a:effectLst>
+            </a:endParaRPr>
           </a:p>
         </p:txBody>
       </p:sp>
     </p:spTree>
     <p:extLst>
       <p:ext uri="{BB962C8B-B14F-4D97-AF65-F5344CB8AC3E}">
-        <p14:creationId xmlns:p14="http://schemas.microsoft.com/office/powerpoint/2010/main" val="2823117238"/>
+        <p14:creationId xmlns:p14="http://schemas.microsoft.com/office/powerpoint/2010/main" val="3121850327"/>
       </p:ext>
     </p:extLst>
   </p:cSld>
@@ -4236,75 +4234,49 @@
       </p:grpSpPr>
       <p:sp>
         <p:nvSpPr>
-          <p:cNvPr id="4" name="Прямоугольник 3"/>
-          <p:cNvSpPr/>
-          <p:nvPr/>
-        </p:nvSpPr>
+          <p:cNvPr id="2" name="Заголовок 1"/>
+          <p:cNvSpPr>
+            <a:spLocks noGrp="1"/>
+          </p:cNvSpPr>
+          <p:nvPr>
+            <p:ph type="title"/>
+          </p:nvPr>
+        </p:nvSpPr>
+        <p:spPr/>
+        <p:txBody>
+          <a:bodyPr/>
+          <a:lstStyle/>
+          <a:p>
+            <a:endParaRPr lang="ru-RU" dirty="0"/>
+          </a:p>
+        </p:txBody>
+      </p:sp>
+      <p:pic>
+        <p:nvPicPr>
+          <p:cNvPr id="4" name="Объект 3"/>
+          <p:cNvPicPr>
+            <a:picLocks noGrp="1" noChangeAspect="1"/>
+          </p:cNvPicPr>
+          <p:nvPr>
+            <p:ph idx="1"/>
+          </p:nvPr>
+        </p:nvPicPr>
+        <p:blipFill>
+          <a:blip r:embed="rId2"/>
+          <a:stretch>
+            <a:fillRect/>
+          </a:stretch>
+        </p:blipFill>
         <p:spPr>
           <a:xfrm>
-            <a:off x="188796" y="2136338"/>
-            <a:ext cx="7076874" cy="2585323"/>
+            <a:off x="8805231" y="1690688"/>
+            <a:ext cx="2700969" cy="3576003"/>
           </a:xfrm>
           <a:prstGeom prst="rect">
             <a:avLst/>
           </a:prstGeom>
-          <a:noFill/>
         </p:spPr>
-        <p:txBody>
-          <a:bodyPr wrap="none" lIns="91440" tIns="45720" rIns="91440" bIns="45720">
-            <a:spAutoFit/>
-          </a:bodyPr>
-          <a:lstStyle/>
-          <a:p>
-            <a:pPr algn="ctr"/>
-            <a:r>
-              <a:rPr lang="ru-RU" sz="5400" dirty="0" smtClean="0">
-                <a:ln w="0"/>
-                <a:effectLst>
-                  <a:outerShdw blurRad="38100" dist="19050" dir="2700000" algn="tl" rotWithShape="0">
-                    <a:schemeClr val="dk1">
-                      <a:alpha val="40000"/>
-                    </a:schemeClr>
-                  </a:outerShdw>
-                </a:effectLst>
-              </a:rPr>
-              <a:t>Возможность работать </a:t>
-            </a:r>
-          </a:p>
-          <a:p>
-            <a:pPr algn="ctr"/>
-            <a:r>
-              <a:rPr lang="ru-RU" sz="5400" dirty="0" smtClean="0">
-                <a:ln w="0"/>
-                <a:effectLst>
-                  <a:outerShdw blurRad="38100" dist="19050" dir="2700000" algn="tl" rotWithShape="0">
-                    <a:schemeClr val="dk1">
-                      <a:alpha val="40000"/>
-                    </a:schemeClr>
-                  </a:outerShdw>
-                </a:effectLst>
-              </a:rPr>
-              <a:t>как с готовой базой, </a:t>
-            </a:r>
-          </a:p>
-          <a:p>
-            <a:pPr algn="ctr"/>
-            <a:r>
-              <a:rPr lang="ru-RU" sz="5400" dirty="0" smtClean="0">
-                <a:ln w="0"/>
-                <a:effectLst>
-                  <a:outerShdw blurRad="38100" dist="19050" dir="2700000" algn="tl" rotWithShape="0">
-                    <a:schemeClr val="dk1">
-                      <a:alpha val="40000"/>
-                    </a:schemeClr>
-                  </a:outerShdw>
-                </a:effectLst>
-              </a:rPr>
-              <a:t>так и создание новой</a:t>
-            </a:r>
-          </a:p>
-        </p:txBody>
-      </p:sp>
+      </p:pic>
       <p:pic>
         <p:nvPicPr>
           <p:cNvPr id="5" name="Рисунок 4"/>
@@ -4314,25 +4286,118 @@
           <p:nvPr/>
         </p:nvPicPr>
         <p:blipFill>
-          <a:blip r:embed="rId2"/>
+          <a:blip r:embed="rId3"/>
           <a:stretch>
             <a:fillRect/>
           </a:stretch>
         </p:blipFill>
         <p:spPr>
           <a:xfrm>
-            <a:off x="7265670" y="781050"/>
-            <a:ext cx="4152900" cy="5295900"/>
+            <a:off x="5782630" y="1690687"/>
+            <a:ext cx="2700970" cy="3576003"/>
           </a:xfrm>
           <a:prstGeom prst="rect">
             <a:avLst/>
           </a:prstGeom>
         </p:spPr>
       </p:pic>
+      <p:sp>
+        <p:nvSpPr>
+          <p:cNvPr id="6" name="Прямоугольник 5"/>
+          <p:cNvSpPr/>
+          <p:nvPr/>
+        </p:nvSpPr>
+        <p:spPr>
+          <a:xfrm>
+            <a:off x="122179" y="2186027"/>
+            <a:ext cx="5580502" cy="2585323"/>
+          </a:xfrm>
+          <a:prstGeom prst="rect">
+            <a:avLst/>
+          </a:prstGeom>
+          <a:noFill/>
+        </p:spPr>
+        <p:txBody>
+          <a:bodyPr wrap="none" lIns="91440" tIns="45720" rIns="91440" bIns="45720">
+            <a:spAutoFit/>
+          </a:bodyPr>
+          <a:lstStyle/>
+          <a:p>
+            <a:pPr algn="ctr"/>
+            <a:r>
+              <a:rPr lang="ru-RU" sz="5400" b="0" cap="none" spc="0" dirty="0" smtClean="0">
+                <a:ln w="0"/>
+                <a:solidFill>
+                  <a:schemeClr val="tx1"/>
+                </a:solidFill>
+                <a:effectLst>
+                  <a:outerShdw blurRad="38100" dist="19050" dir="2700000" algn="tl" rotWithShape="0">
+                    <a:schemeClr val="dk1">
+                      <a:alpha val="40000"/>
+                    </a:schemeClr>
+                  </a:outerShdw>
+                </a:effectLst>
+              </a:rPr>
+              <a:t>Удобное </a:t>
+            </a:r>
+          </a:p>
+          <a:p>
+            <a:pPr algn="ctr"/>
+            <a:r>
+              <a:rPr lang="ru-RU" sz="5400" b="0" cap="none" spc="0" dirty="0" smtClean="0">
+                <a:ln w="0"/>
+                <a:solidFill>
+                  <a:schemeClr val="tx1"/>
+                </a:solidFill>
+                <a:effectLst>
+                  <a:outerShdw blurRad="38100" dist="19050" dir="2700000" algn="tl" rotWithShape="0">
+                    <a:schemeClr val="dk1">
+                      <a:alpha val="40000"/>
+                    </a:schemeClr>
+                  </a:outerShdw>
+                </a:effectLst>
+              </a:rPr>
+              <a:t>создание </a:t>
+            </a:r>
+          </a:p>
+          <a:p>
+            <a:pPr algn="ctr"/>
+            <a:r>
+              <a:rPr lang="ru-RU" sz="5400" b="0" cap="none" spc="0" dirty="0" smtClean="0">
+                <a:ln w="0"/>
+                <a:solidFill>
+                  <a:schemeClr val="tx1"/>
+                </a:solidFill>
+                <a:effectLst>
+                  <a:outerShdw blurRad="38100" dist="19050" dir="2700000" algn="tl" rotWithShape="0">
+                    <a:schemeClr val="dk1">
+                      <a:alpha val="40000"/>
+                    </a:schemeClr>
+                  </a:outerShdw>
+                </a:effectLst>
+              </a:rPr>
+              <a:t>и редактирование</a:t>
+            </a:r>
+            <a:endParaRPr lang="ru-RU" sz="5400" b="0" cap="none" spc="0" dirty="0">
+              <a:ln w="0"/>
+              <a:solidFill>
+                <a:schemeClr val="tx1"/>
+              </a:solidFill>
+              <a:effectLst>
+                <a:outerShdw blurRad="38100" dist="19050" dir="2700000" algn="tl" rotWithShape="0">
+                  <a:schemeClr val="dk1">
+                    <a:alpha val="40000"/>
+                  </a:schemeClr>
+                </a:outerShdw>
+              </a:effectLst>
+            </a:endParaRPr>
+          </a:p>
+        </p:txBody>
+      </p:sp>
     </p:spTree>
     <p:extLst>
       <p:ext uri="{BB962C8B-B14F-4D97-AF65-F5344CB8AC3E}">
-        <p14:creationId xmlns:p14="http://schemas.microsoft.com/office/powerpoint/2010/main" val="3244733689"/>
+        <p14:creationId xmlns:p14="http://schemas.microsoft.com/office/powerpoint/2010/main" val="3619481480"/>
       </p:ext>
     </p:extLst>
   </p:cSld>
@@ -4376,14 +4441,59 @@
       </p:grpSpPr>
       <p:sp>
         <p:nvSpPr>
+          <p:cNvPr id="2" name="Заголовок 1"/>
+          <p:cNvSpPr>
+            <a:spLocks noGrp="1"/>
+          </p:cNvSpPr>
+          <p:nvPr>
+            <p:ph type="title"/>
+          </p:nvPr>
+        </p:nvSpPr>
+        <p:spPr/>
+        <p:txBody>
+          <a:bodyPr/>
+          <a:lstStyle/>
+          <a:p>
+            <a:endParaRPr lang="ru-RU"/>
+          </a:p>
+        </p:txBody>
+      </p:sp>
+      <p:pic>
+        <p:nvPicPr>
+          <p:cNvPr id="4" name="Объект 3"/>
+          <p:cNvPicPr>
+            <a:picLocks noGrp="1" noChangeAspect="1"/>
+          </p:cNvPicPr>
+          <p:nvPr>
+            <p:ph idx="1"/>
+          </p:nvPr>
+        </p:nvPicPr>
+        <p:blipFill>
+          <a:blip r:embed="rId2"/>
+          <a:stretch>
+            <a:fillRect/>
+          </a:stretch>
+        </p:blipFill>
+        <p:spPr>
+          <a:xfrm>
+            <a:off x="6711668" y="1200785"/>
+            <a:ext cx="4840252" cy="4351338"/>
+          </a:xfrm>
+          <a:prstGeom prst="rect">
+            <a:avLst/>
+          </a:prstGeom>
+        </p:spPr>
+      </p:pic>
+      <p:sp>
+        <p:nvSpPr>
           <p:cNvPr id="5" name="Прямоугольник 4"/>
           <p:cNvSpPr/>
           <p:nvPr/>
         </p:nvSpPr>
         <p:spPr>
           <a:xfrm>
-            <a:off x="423124" y="2003781"/>
-            <a:ext cx="5189177" cy="2585323"/>
+            <a:off x="407081" y="2083792"/>
+            <a:ext cx="6033703" cy="2585323"/>
           </a:xfrm>
           <a:prstGeom prst="rect">
             <a:avLst/>
@@ -4395,6 +4505,22 @@
             <a:spAutoFit/>
           </a:bodyPr>
           <a:lstStyle/>
+          <a:p>
+            <a:pPr algn="ctr"/>
+            <a:r>
+              <a:rPr lang="ru-RU" sz="5400" dirty="0" smtClean="0">
+                <a:ln w="0"/>
+                <a:effectLst>
+                  <a:outerShdw blurRad="38100" dist="19050" dir="2700000" algn="tl" rotWithShape="0">
+                    <a:schemeClr val="dk1">
+                      <a:alpha val="40000"/>
+                    </a:schemeClr>
+                  </a:outerShdw>
+                </a:effectLst>
+              </a:rPr>
+              <a:t>Ведение статистики</a:t>
+            </a:r>
+          </a:p>
           <a:p>
             <a:pPr algn="ctr"/>
             <a:r>
@@ -4411,7 +4537,7 @@
                   </a:outerShdw>
                 </a:effectLst>
               </a:rPr>
-              <a:t>Редактирование </a:t>
+              <a:t> и анализ на </a:t>
             </a:r>
           </a:p>
           <a:p>
@@ -4430,124 +4556,15 @@
                   </a:outerShdw>
                 </a:effectLst>
               </a:rPr>
-              <a:t>и добавление</a:t>
-            </a:r>
-            <a:r>
-              <a:rPr lang="en-US" sz="5400" b="0" cap="none" spc="0" dirty="0" smtClean="0">
-                <a:ln w="0"/>
-                <a:solidFill>
-                  <a:schemeClr val="tx1"/>
-                </a:solidFill>
-                <a:effectLst>
-                  <a:outerShdw blurRad="38100" dist="19050" dir="2700000" algn="tl" rotWithShape="0">
-                    <a:schemeClr val="dk1">
-                      <a:alpha val="40000"/>
-                    </a:schemeClr>
-                  </a:outerShdw>
-                </a:effectLst>
-              </a:rPr>
-              <a:t> </a:t>
-            </a:r>
-            <a:endParaRPr lang="ru-RU" sz="5400" b="0" cap="none" spc="0" dirty="0" smtClean="0">
-              <a:ln w="0"/>
-              <a:solidFill>
-                <a:schemeClr val="tx1"/>
-              </a:solidFill>
-              <a:effectLst>
-                <a:outerShdw blurRad="38100" dist="19050" dir="2700000" algn="tl" rotWithShape="0">
-                  <a:schemeClr val="dk1">
-                    <a:alpha val="40000"/>
-                  </a:schemeClr>
-                </a:outerShdw>
-              </a:effectLst>
-            </a:endParaRPr>
-          </a:p>
-          <a:p>
-            <a:pPr algn="ctr"/>
-            <a:r>
-              <a:rPr lang="ru-RU" sz="5400" b="0" cap="none" spc="0" dirty="0" smtClean="0">
-                <a:ln w="0"/>
-                <a:solidFill>
-                  <a:schemeClr val="tx1"/>
-                </a:solidFill>
-                <a:effectLst>
-                  <a:outerShdw blurRad="38100" dist="19050" dir="2700000" algn="tl" rotWithShape="0">
-                    <a:schemeClr val="dk1">
-                      <a:alpha val="40000"/>
-                    </a:schemeClr>
-                  </a:outerShdw>
-                </a:effectLst>
-              </a:rPr>
-              <a:t>по форме </a:t>
-            </a:r>
-            <a:endParaRPr lang="ru-RU" sz="5400" b="0" cap="none" spc="0" dirty="0">
-              <a:ln w="0"/>
-              <a:solidFill>
-                <a:schemeClr val="tx1"/>
-              </a:solidFill>
-              <a:effectLst>
-                <a:outerShdw blurRad="38100" dist="19050" dir="2700000" algn="tl" rotWithShape="0">
-                  <a:schemeClr val="dk1">
-                    <a:alpha val="40000"/>
-                  </a:schemeClr>
-                </a:outerShdw>
-              </a:effectLst>
-            </a:endParaRPr>
-          </a:p>
-        </p:txBody>
-      </p:sp>
-      <p:pic>
-        <p:nvPicPr>
-          <p:cNvPr id="6" name="Рисунок 5"/>
-          <p:cNvPicPr>
-            <a:picLocks noChangeAspect="1"/>
-          </p:cNvPicPr>
-          <p:nvPr/>
-        </p:nvPicPr>
-        <p:blipFill>
-          <a:blip r:embed="rId2"/>
-          <a:stretch>
-            <a:fillRect/>
-          </a:stretch>
-        </p:blipFill>
-        <p:spPr>
-          <a:xfrm>
-            <a:off x="9026919" y="1747520"/>
-            <a:ext cx="2339817" cy="3097847"/>
-          </a:xfrm>
-          <a:prstGeom prst="rect">
-            <a:avLst/>
-          </a:prstGeom>
-        </p:spPr>
-      </p:pic>
-      <p:pic>
-        <p:nvPicPr>
-          <p:cNvPr id="8" name="Рисунок 7"/>
-          <p:cNvPicPr>
-            <a:picLocks noChangeAspect="1"/>
-          </p:cNvPicPr>
-          <p:nvPr/>
-        </p:nvPicPr>
-        <p:blipFill>
-          <a:blip r:embed="rId3"/>
-          <a:stretch>
-            <a:fillRect/>
-          </a:stretch>
-        </p:blipFill>
-        <p:spPr>
-          <a:xfrm>
-            <a:off x="5714580" y="1747520"/>
-            <a:ext cx="2339996" cy="3098085"/>
-          </a:xfrm>
-          <a:prstGeom prst="rect">
-            <a:avLst/>
-          </a:prstGeom>
-        </p:spPr>
-      </p:pic>
+              <a:t>всех этапах</a:t>
+            </a:r>
+          </a:p>
+        </p:txBody>
+      </p:sp>
     </p:spTree>
     <p:extLst>
       <p:ext uri="{BB962C8B-B14F-4D97-AF65-F5344CB8AC3E}">
-        <p14:creationId xmlns:p14="http://schemas.microsoft.com/office/powerpoint/2010/main" val="1254334730"/>
+        <p14:creationId xmlns:p14="http://schemas.microsoft.com/office/powerpoint/2010/main" val="720761104"/>
       </p:ext>
     </p:extLst>
   </p:cSld>
@@ -4589,13 +4606,34 @@
           <a:chExt cx="0" cy="0"/>
         </a:xfrm>
       </p:grpSpPr>
+      <p:sp>
+        <p:nvSpPr>
+          <p:cNvPr id="2" name="Заголовок 1"/>
+          <p:cNvSpPr>
+            <a:spLocks noGrp="1"/>
+          </p:cNvSpPr>
+          <p:nvPr>
+            <p:ph type="title"/>
+          </p:nvPr>
+        </p:nvSpPr>
+        <p:spPr/>
+        <p:txBody>
+          <a:bodyPr/>
+          <a:lstStyle/>
+          <a:p>
+            <a:endParaRPr lang="ru-RU"/>
+          </a:p>
+        </p:txBody>
+      </p:sp>
       <p:pic>
         <p:nvPicPr>
-          <p:cNvPr id="6" name="Рисунок 5"/>
+          <p:cNvPr id="4" name="Объект 3"/>
           <p:cNvPicPr>
-            <a:picLocks noChangeAspect="1"/>
+            <a:picLocks noGrp="1" noChangeAspect="1"/>
           </p:cNvPicPr>
-          <p:nvPr/>
+          <p:nvPr>
+            <p:ph idx="1"/>
+          </p:nvPr>
         </p:nvPicPr>
         <p:blipFill>
           <a:blip r:embed="rId2" cstate="print">
@@ -4611,23 +4649,20 @@
         </p:blipFill>
         <p:spPr>
           <a:xfrm>
-            <a:off x="4551680" y="1783152"/>
-            <a:ext cx="6720840" cy="3168396"/>
+            <a:off x="5052185" y="1690688"/>
+            <a:ext cx="6301615" cy="2970761"/>
           </a:xfrm>
-          <a:prstGeom prst="rect">
-            <a:avLst/>
-          </a:prstGeom>
         </p:spPr>
       </p:pic>
       <p:sp>
         <p:nvSpPr>
-          <p:cNvPr id="7" name="Прямоугольник 6"/>
+          <p:cNvPr id="5" name="Прямоугольник 4"/>
           <p:cNvSpPr/>
           <p:nvPr/>
         </p:nvSpPr>
         <p:spPr>
           <a:xfrm>
-            <a:off x="650818" y="1659190"/>
+            <a:off x="838200" y="1467908"/>
             <a:ext cx="3808863" cy="3416320"/>
           </a:xfrm>
           <a:prstGeom prst="rect">
@@ -4669,7 +4704,7 @@
                   </a:outerShdw>
                 </a:effectLst>
               </a:rPr>
-              <a:t>билетов </a:t>
+              <a:t>билета </a:t>
             </a:r>
           </a:p>
           <a:p>
@@ -4722,7 +4757,7 @@
     </p:spTree>
     <p:extLst>
       <p:ext uri="{BB962C8B-B14F-4D97-AF65-F5344CB8AC3E}">
-        <p14:creationId xmlns:p14="http://schemas.microsoft.com/office/powerpoint/2010/main" val="3619481480"/>
+        <p14:creationId xmlns:p14="http://schemas.microsoft.com/office/powerpoint/2010/main" val="1254334730"/>
       </p:ext>
     </p:extLst>
   </p:cSld>

--- a/Презентация Microsoft PowerPoint.pptx
+++ b/Презентация Microsoft PowerPoint.pptx
@@ -3688,6 +3688,386 @@
           <a:chExt cx="0" cy="0"/>
         </a:xfrm>
       </p:grpSpPr>
+      <p:sp>
+        <p:nvSpPr>
+          <p:cNvPr id="2" name="Прямоугольник 1"/>
+          <p:cNvSpPr/>
+          <p:nvPr/>
+        </p:nvSpPr>
+        <p:spPr>
+          <a:xfrm>
+            <a:off x="1550394" y="1326909"/>
+            <a:ext cx="8608960" cy="954107"/>
+          </a:xfrm>
+          <a:prstGeom prst="rect">
+            <a:avLst/>
+          </a:prstGeom>
+          <a:noFill/>
+        </p:spPr>
+        <p:txBody>
+          <a:bodyPr wrap="none" lIns="91440" tIns="45720" rIns="91440" bIns="45720">
+            <a:spAutoFit/>
+          </a:bodyPr>
+          <a:lstStyle/>
+          <a:p>
+            <a:pPr algn="ctr"/>
+            <a:r>
+              <a:rPr lang="ru-RU" sz="2800" b="0" cap="none" spc="0" dirty="0" smtClean="0">
+                <a:ln w="0"/>
+                <a:solidFill>
+                  <a:schemeClr val="tx1"/>
+                </a:solidFill>
+                <a:effectLst>
+                  <a:outerShdw blurRad="38100" dist="19050" dir="2700000" algn="tl" rotWithShape="0">
+                    <a:schemeClr val="dk1">
+                      <a:alpha val="40000"/>
+                    </a:schemeClr>
+                  </a:outerShdw>
+                </a:effectLst>
+              </a:rPr>
+              <a:t>Правильный инструментарий в приложении повышает </a:t>
+            </a:r>
+            <a:endParaRPr lang="en-US" sz="2800" b="0" cap="none" spc="0" dirty="0" smtClean="0">
+              <a:ln w="0"/>
+              <a:solidFill>
+                <a:schemeClr val="tx1"/>
+              </a:solidFill>
+              <a:effectLst>
+                <a:outerShdw blurRad="38100" dist="19050" dir="2700000" algn="tl" rotWithShape="0">
+                  <a:schemeClr val="dk1">
+                    <a:alpha val="40000"/>
+                  </a:schemeClr>
+                </a:outerShdw>
+              </a:effectLst>
+            </a:endParaRPr>
+          </a:p>
+          <a:p>
+            <a:pPr algn="ctr"/>
+            <a:r>
+              <a:rPr lang="ru-RU" sz="2800" b="0" cap="none" spc="0" dirty="0" smtClean="0">
+                <a:ln w="0"/>
+                <a:solidFill>
+                  <a:schemeClr val="tx1"/>
+                </a:solidFill>
+                <a:effectLst>
+                  <a:outerShdw blurRad="38100" dist="19050" dir="2700000" algn="tl" rotWithShape="0">
+                    <a:schemeClr val="dk1">
+                      <a:alpha val="40000"/>
+                    </a:schemeClr>
+                  </a:outerShdw>
+                </a:effectLst>
+              </a:rPr>
+              <a:t>производительность на 15-30</a:t>
+            </a:r>
+            <a:r>
+              <a:rPr lang="en-US" sz="2800" b="0" cap="none" spc="0" dirty="0" smtClean="0">
+                <a:ln w="0"/>
+                <a:solidFill>
+                  <a:schemeClr val="tx1"/>
+                </a:solidFill>
+                <a:effectLst>
+                  <a:outerShdw blurRad="38100" dist="19050" dir="2700000" algn="tl" rotWithShape="0">
+                    <a:schemeClr val="dk1">
+                      <a:alpha val="40000"/>
+                    </a:schemeClr>
+                  </a:outerShdw>
+                </a:effectLst>
+              </a:rPr>
+              <a:t>%</a:t>
+            </a:r>
+            <a:endParaRPr lang="ru-RU" sz="2800" b="0" cap="none" spc="0" dirty="0">
+              <a:ln w="0"/>
+              <a:solidFill>
+                <a:schemeClr val="tx1"/>
+              </a:solidFill>
+              <a:effectLst>
+                <a:outerShdw blurRad="38100" dist="19050" dir="2700000" algn="tl" rotWithShape="0">
+                  <a:schemeClr val="dk1">
+                    <a:alpha val="40000"/>
+                  </a:schemeClr>
+                </a:outerShdw>
+              </a:effectLst>
+            </a:endParaRPr>
+          </a:p>
+        </p:txBody>
+      </p:sp>
+      <p:sp>
+        <p:nvSpPr>
+          <p:cNvPr id="4" name="Блок-схема: извлечение 3"/>
+          <p:cNvSpPr/>
+          <p:nvPr/>
+        </p:nvSpPr>
+        <p:spPr>
+          <a:xfrm rot="5400000">
+            <a:off x="488198" y="1435878"/>
+            <a:ext cx="740044" cy="736169"/>
+          </a:xfrm>
+          <a:prstGeom prst="flowChartExtract">
+            <a:avLst/>
+          </a:prstGeom>
+          <a:solidFill>
+            <a:schemeClr val="bg1"/>
+          </a:solidFill>
+        </p:spPr>
+        <p:style>
+          <a:lnRef idx="2">
+            <a:schemeClr val="accent1">
+              <a:shade val="50000"/>
+            </a:schemeClr>
+          </a:lnRef>
+          <a:fillRef idx="1">
+            <a:schemeClr val="accent1"/>
+          </a:fillRef>
+          <a:effectRef idx="0">
+            <a:schemeClr val="accent1"/>
+          </a:effectRef>
+          <a:fontRef idx="minor">
+            <a:schemeClr val="lt1"/>
+          </a:fontRef>
+        </p:style>
+        <p:txBody>
+          <a:bodyPr rtlCol="0" anchor="ctr"/>
+          <a:lstStyle/>
+          <a:p>
+            <a:pPr algn="ctr"/>
+            <a:endParaRPr lang="ru-RU"/>
+          </a:p>
+        </p:txBody>
+      </p:sp>
+      <p:sp>
+        <p:nvSpPr>
+          <p:cNvPr id="5" name="Блок-схема: извлечение 4"/>
+          <p:cNvSpPr/>
+          <p:nvPr/>
+        </p:nvSpPr>
+        <p:spPr>
+          <a:xfrm rot="5400000">
+            <a:off x="488197" y="3172982"/>
+            <a:ext cx="740044" cy="736169"/>
+          </a:xfrm>
+          <a:prstGeom prst="flowChartExtract">
+            <a:avLst/>
+          </a:prstGeom>
+          <a:solidFill>
+            <a:schemeClr val="bg1"/>
+          </a:solidFill>
+        </p:spPr>
+        <p:style>
+          <a:lnRef idx="2">
+            <a:schemeClr val="accent1">
+              <a:shade val="50000"/>
+            </a:schemeClr>
+          </a:lnRef>
+          <a:fillRef idx="1">
+            <a:schemeClr val="accent1"/>
+          </a:fillRef>
+          <a:effectRef idx="0">
+            <a:schemeClr val="accent1"/>
+          </a:effectRef>
+          <a:fontRef idx="minor">
+            <a:schemeClr val="lt1"/>
+          </a:fontRef>
+        </p:style>
+        <p:txBody>
+          <a:bodyPr rtlCol="0" anchor="ctr"/>
+          <a:lstStyle/>
+          <a:p>
+            <a:pPr algn="ctr"/>
+            <a:endParaRPr lang="ru-RU"/>
+          </a:p>
+        </p:txBody>
+      </p:sp>
+      <p:sp>
+        <p:nvSpPr>
+          <p:cNvPr id="6" name="Блок-схема: извлечение 5"/>
+          <p:cNvSpPr/>
+          <p:nvPr/>
+        </p:nvSpPr>
+        <p:spPr>
+          <a:xfrm rot="5400000">
+            <a:off x="488196" y="4910086"/>
+            <a:ext cx="740044" cy="736169"/>
+          </a:xfrm>
+          <a:prstGeom prst="flowChartExtract">
+            <a:avLst/>
+          </a:prstGeom>
+          <a:solidFill>
+            <a:schemeClr val="bg1"/>
+          </a:solidFill>
+        </p:spPr>
+        <p:style>
+          <a:lnRef idx="2">
+            <a:schemeClr val="accent1">
+              <a:shade val="50000"/>
+            </a:schemeClr>
+          </a:lnRef>
+          <a:fillRef idx="1">
+            <a:schemeClr val="accent1"/>
+          </a:fillRef>
+          <a:effectRef idx="0">
+            <a:schemeClr val="accent1"/>
+          </a:effectRef>
+          <a:fontRef idx="minor">
+            <a:schemeClr val="lt1"/>
+          </a:fontRef>
+        </p:style>
+        <p:txBody>
+          <a:bodyPr rtlCol="0" anchor="ctr"/>
+          <a:lstStyle/>
+          <a:p>
+            <a:pPr algn="ctr"/>
+            <a:endParaRPr lang="ru-RU"/>
+          </a:p>
+        </p:txBody>
+      </p:sp>
+      <p:sp>
+        <p:nvSpPr>
+          <p:cNvPr id="7" name="Прямоугольник 6"/>
+          <p:cNvSpPr/>
+          <p:nvPr/>
+        </p:nvSpPr>
+        <p:spPr>
+          <a:xfrm>
+            <a:off x="1550394" y="3064012"/>
+            <a:ext cx="6477222" cy="954107"/>
+          </a:xfrm>
+          <a:prstGeom prst="rect">
+            <a:avLst/>
+          </a:prstGeom>
+          <a:noFill/>
+        </p:spPr>
+        <p:txBody>
+          <a:bodyPr wrap="none" lIns="91440" tIns="45720" rIns="91440" bIns="45720">
+            <a:spAutoFit/>
+          </a:bodyPr>
+          <a:lstStyle/>
+          <a:p>
+            <a:pPr algn="ctr"/>
+            <a:r>
+              <a:rPr lang="ru-RU" sz="2800" b="0" cap="none" spc="0" dirty="0" smtClean="0">
+                <a:ln w="0"/>
+                <a:solidFill>
+                  <a:schemeClr val="tx1"/>
+                </a:solidFill>
+                <a:effectLst>
+                  <a:outerShdw blurRad="38100" dist="19050" dir="2700000" algn="tl" rotWithShape="0">
+                    <a:schemeClr val="dk1">
+                      <a:alpha val="40000"/>
+                    </a:schemeClr>
+                  </a:outerShdw>
+                </a:effectLst>
+              </a:rPr>
+              <a:t>Анализ статистики даёт понимание мест </a:t>
+            </a:r>
+          </a:p>
+          <a:p>
+            <a:pPr algn="ctr"/>
+            <a:r>
+              <a:rPr lang="ru-RU" sz="2800" b="0" cap="none" spc="0" dirty="0" smtClean="0">
+                <a:ln w="0"/>
+                <a:solidFill>
+                  <a:schemeClr val="tx1"/>
+                </a:solidFill>
+                <a:effectLst>
+                  <a:outerShdw blurRad="38100" dist="19050" dir="2700000" algn="tl" rotWithShape="0">
+                    <a:schemeClr val="dk1">
+                      <a:alpha val="40000"/>
+                    </a:schemeClr>
+                  </a:outerShdw>
+                </a:effectLst>
+              </a:rPr>
+              <a:t>для оптимизации бизнеса</a:t>
+            </a:r>
+            <a:endParaRPr lang="ru-RU" sz="2800" b="0" cap="none" spc="0" dirty="0">
+              <a:ln w="0"/>
+              <a:solidFill>
+                <a:schemeClr val="tx1"/>
+              </a:solidFill>
+              <a:effectLst>
+                <a:outerShdw blurRad="38100" dist="19050" dir="2700000" algn="tl" rotWithShape="0">
+                  <a:schemeClr val="dk1">
+                    <a:alpha val="40000"/>
+                  </a:schemeClr>
+                </a:outerShdw>
+              </a:effectLst>
+            </a:endParaRPr>
+          </a:p>
+        </p:txBody>
+      </p:sp>
+      <p:sp>
+        <p:nvSpPr>
+          <p:cNvPr id="8" name="Прямоугольник 7"/>
+          <p:cNvSpPr/>
+          <p:nvPr/>
+        </p:nvSpPr>
+        <p:spPr>
+          <a:xfrm>
+            <a:off x="1550394" y="4798687"/>
+            <a:ext cx="7665304" cy="954107"/>
+          </a:xfrm>
+          <a:prstGeom prst="rect">
+            <a:avLst/>
+          </a:prstGeom>
+          <a:noFill/>
+        </p:spPr>
+        <p:txBody>
+          <a:bodyPr wrap="none" lIns="91440" tIns="45720" rIns="91440" bIns="45720">
+            <a:spAutoFit/>
+          </a:bodyPr>
+          <a:lstStyle/>
+          <a:p>
+            <a:pPr algn="ctr"/>
+            <a:r>
+              <a:rPr lang="ru-RU" sz="2800" b="0" cap="none" spc="0" dirty="0" smtClean="0">
+                <a:ln w="0"/>
+                <a:solidFill>
+                  <a:schemeClr val="tx1"/>
+                </a:solidFill>
+                <a:effectLst>
+                  <a:outerShdw blurRad="38100" dist="19050" dir="2700000" algn="tl" rotWithShape="0">
+                    <a:schemeClr val="dk1">
+                      <a:alpha val="40000"/>
+                    </a:schemeClr>
+                  </a:outerShdw>
+                </a:effectLst>
+              </a:rPr>
+              <a:t>Быстрый выход на рынок увеличивает шансы на </a:t>
+            </a:r>
+          </a:p>
+          <a:p>
+            <a:pPr algn="ctr"/>
+            <a:r>
+              <a:rPr lang="ru-RU" sz="2800" b="0" cap="none" spc="0" dirty="0" smtClean="0">
+                <a:ln w="0"/>
+                <a:solidFill>
+                  <a:schemeClr val="tx1"/>
+                </a:solidFill>
+                <a:effectLst>
+                  <a:outerShdw blurRad="38100" dist="19050" dir="2700000" algn="tl" rotWithShape="0">
+                    <a:schemeClr val="dk1">
+                      <a:alpha val="40000"/>
+                    </a:schemeClr>
+                  </a:outerShdw>
+                </a:effectLst>
+              </a:rPr>
+              <a:t>прибыльное развитие бизнеса</a:t>
+            </a:r>
+            <a:endParaRPr lang="ru-RU" sz="2800" b="0" cap="none" spc="0" dirty="0">
+              <a:ln w="0"/>
+              <a:solidFill>
+                <a:schemeClr val="tx1"/>
+              </a:solidFill>
+              <a:effectLst>
+                <a:outerShdw blurRad="38100" dist="19050" dir="2700000" algn="tl" rotWithShape="0">
+                  <a:schemeClr val="dk1">
+                    <a:alpha val="40000"/>
+                  </a:schemeClr>
+                </a:outerShdw>
+              </a:effectLst>
+            </a:endParaRPr>
+          </a:p>
+        </p:txBody>
+      </p:sp>
     </p:spTree>
     <p:extLst>
       <p:ext uri="{BB962C8B-B14F-4D97-AF65-F5344CB8AC3E}">
